--- a/五子棋1210.pptx
+++ b/五子棋1210.pptx
@@ -14,11 +14,10 @@
     <p:sldId id="274" r:id="rId8"/>
     <p:sldId id="283" r:id="rId9"/>
     <p:sldId id="292" r:id="rId10"/>
-    <p:sldId id="293" r:id="rId11"/>
+    <p:sldId id="290" r:id="rId11"/>
     <p:sldId id="291" r:id="rId12"/>
-    <p:sldId id="290" r:id="rId13"/>
-    <p:sldId id="288" r:id="rId14"/>
-    <p:sldId id="289" r:id="rId15"/>
+    <p:sldId id="288" r:id="rId13"/>
+    <p:sldId id="289" r:id="rId14"/>
   </p:sldIdLst>
   <p:sldSz cx="12192000" cy="6858000"/>
   <p:notesSz cx="6858000" cy="9144000"/>
@@ -8380,7 +8379,7 @@
           <a:p>
             <a:fld id="{D6141850-64EB-4160-B63F-AF10416C91A0}" type="datetimeFigureOut">
               <a:rPr lang="zh-TW" altLang="en-US" smtClean="0"/>
-              <a:t>2021/12/9</a:t>
+              <a:t>2021/12/10</a:t>
             </a:fld>
             <a:endParaRPr lang="zh-TW" altLang="en-US"/>
           </a:p>
@@ -8578,7 +8577,7 @@
           <a:p>
             <a:fld id="{D6141850-64EB-4160-B63F-AF10416C91A0}" type="datetimeFigureOut">
               <a:rPr lang="zh-TW" altLang="en-US" smtClean="0"/>
-              <a:t>2021/12/9</a:t>
+              <a:t>2021/12/10</a:t>
             </a:fld>
             <a:endParaRPr lang="zh-TW" altLang="en-US"/>
           </a:p>
@@ -8786,7 +8785,7 @@
           <a:p>
             <a:fld id="{D6141850-64EB-4160-B63F-AF10416C91A0}" type="datetimeFigureOut">
               <a:rPr lang="zh-TW" altLang="en-US" smtClean="0"/>
-              <a:t>2021/12/9</a:t>
+              <a:t>2021/12/10</a:t>
             </a:fld>
             <a:endParaRPr lang="zh-TW" altLang="en-US"/>
           </a:p>
@@ -8984,7 +8983,7 @@
           <a:p>
             <a:fld id="{D6141850-64EB-4160-B63F-AF10416C91A0}" type="datetimeFigureOut">
               <a:rPr lang="zh-TW" altLang="en-US" smtClean="0"/>
-              <a:t>2021/12/9</a:t>
+              <a:t>2021/12/10</a:t>
             </a:fld>
             <a:endParaRPr lang="zh-TW" altLang="en-US"/>
           </a:p>
@@ -9259,7 +9258,7 @@
           <a:p>
             <a:fld id="{D6141850-64EB-4160-B63F-AF10416C91A0}" type="datetimeFigureOut">
               <a:rPr lang="zh-TW" altLang="en-US" smtClean="0"/>
-              <a:t>2021/12/9</a:t>
+              <a:t>2021/12/10</a:t>
             </a:fld>
             <a:endParaRPr lang="zh-TW" altLang="en-US"/>
           </a:p>
@@ -9524,7 +9523,7 @@
           <a:p>
             <a:fld id="{D6141850-64EB-4160-B63F-AF10416C91A0}" type="datetimeFigureOut">
               <a:rPr lang="zh-TW" altLang="en-US" smtClean="0"/>
-              <a:t>2021/12/9</a:t>
+              <a:t>2021/12/10</a:t>
             </a:fld>
             <a:endParaRPr lang="zh-TW" altLang="en-US"/>
           </a:p>
@@ -9936,7 +9935,7 @@
           <a:p>
             <a:fld id="{D6141850-64EB-4160-B63F-AF10416C91A0}" type="datetimeFigureOut">
               <a:rPr lang="zh-TW" altLang="en-US" smtClean="0"/>
-              <a:t>2021/12/9</a:t>
+              <a:t>2021/12/10</a:t>
             </a:fld>
             <a:endParaRPr lang="zh-TW" altLang="en-US"/>
           </a:p>
@@ -10077,7 +10076,7 @@
           <a:p>
             <a:fld id="{D6141850-64EB-4160-B63F-AF10416C91A0}" type="datetimeFigureOut">
               <a:rPr lang="zh-TW" altLang="en-US" smtClean="0"/>
-              <a:t>2021/12/9</a:t>
+              <a:t>2021/12/10</a:t>
             </a:fld>
             <a:endParaRPr lang="zh-TW" altLang="en-US"/>
           </a:p>
@@ -10190,7 +10189,7 @@
           <a:p>
             <a:fld id="{D6141850-64EB-4160-B63F-AF10416C91A0}" type="datetimeFigureOut">
               <a:rPr lang="zh-TW" altLang="en-US" smtClean="0"/>
-              <a:t>2021/12/9</a:t>
+              <a:t>2021/12/10</a:t>
             </a:fld>
             <a:endParaRPr lang="zh-TW" altLang="en-US"/>
           </a:p>
@@ -10501,7 +10500,7 @@
           <a:p>
             <a:fld id="{D6141850-64EB-4160-B63F-AF10416C91A0}" type="datetimeFigureOut">
               <a:rPr lang="zh-TW" altLang="en-US" smtClean="0"/>
-              <a:t>2021/12/9</a:t>
+              <a:t>2021/12/10</a:t>
             </a:fld>
             <a:endParaRPr lang="zh-TW" altLang="en-US"/>
           </a:p>
@@ -10789,7 +10788,7 @@
           <a:p>
             <a:fld id="{D6141850-64EB-4160-B63F-AF10416C91A0}" type="datetimeFigureOut">
               <a:rPr lang="zh-TW" altLang="en-US" smtClean="0"/>
-              <a:t>2021/12/9</a:t>
+              <a:t>2021/12/10</a:t>
             </a:fld>
             <a:endParaRPr lang="zh-TW" altLang="en-US"/>
           </a:p>
@@ -11030,7 +11029,7 @@
           <a:p>
             <a:fld id="{D6141850-64EB-4160-B63F-AF10416C91A0}" type="datetimeFigureOut">
               <a:rPr lang="zh-TW" altLang="en-US" smtClean="0"/>
-              <a:t>2021/12/9</a:t>
+              <a:t>2021/12/10</a:t>
             </a:fld>
             <a:endParaRPr lang="zh-TW" altLang="en-US"/>
           </a:p>
@@ -11680,1403 +11679,6 @@
           <a:chExt cx="0" cy="0"/>
         </a:xfrm>
       </p:grpSpPr>
-      <p:graphicFrame>
-        <p:nvGraphicFramePr>
-          <p:cNvPr id="6" name="表格 6">
-            <a:extLst>
-              <a:ext uri="{FF2B5EF4-FFF2-40B4-BE49-F238E27FC236}">
-                <a16:creationId xmlns:a16="http://schemas.microsoft.com/office/drawing/2014/main" id="{9860EFA2-075B-48EA-AEEA-8C0D6C943378}"/>
-              </a:ext>
-            </a:extLst>
-          </p:cNvPr>
-          <p:cNvGraphicFramePr>
-            <a:graphicFrameLocks noGrp="1"/>
-          </p:cNvGraphicFramePr>
-          <p:nvPr>
-            <p:extLst>
-              <p:ext uri="{D42A27DB-BD31-4B8C-83A1-F6EECF244321}">
-                <p14:modId xmlns:p14="http://schemas.microsoft.com/office/powerpoint/2010/main" val="698909893"/>
-              </p:ext>
-            </p:extLst>
-          </p:nvPr>
-        </p:nvGraphicFramePr>
-        <p:xfrm>
-          <a:off x="1108788" y="2190795"/>
-          <a:ext cx="9974424" cy="1450461"/>
-        </p:xfrm>
-        <a:graphic>
-          <a:graphicData uri="http://schemas.openxmlformats.org/drawingml/2006/table">
-            <a:tbl>
-              <a:tblPr firstRow="1" bandRow="1">
-                <a:tableStyleId>{073A0DAA-6AF3-43AB-8588-CEC1D06C72B9}</a:tableStyleId>
-              </a:tblPr>
-              <a:tblGrid>
-                <a:gridCol w="2827175">
-                  <a:extLst>
-                    <a:ext uri="{9D8B030D-6E8A-4147-A177-3AD203B41FA5}">
-                      <a16:colId xmlns:a16="http://schemas.microsoft.com/office/drawing/2014/main" val="224048993"/>
-                    </a:ext>
-                  </a:extLst>
-                </a:gridCol>
-                <a:gridCol w="7147249">
-                  <a:extLst>
-                    <a:ext uri="{9D8B030D-6E8A-4147-A177-3AD203B41FA5}">
-                      <a16:colId xmlns:a16="http://schemas.microsoft.com/office/drawing/2014/main" val="677601397"/>
-                    </a:ext>
-                  </a:extLst>
-                </a:gridCol>
-              </a:tblGrid>
-              <a:tr h="424513">
-                <a:tc gridSpan="2">
-                  <a:txBody>
-                    <a:bodyPr/>
-                    <a:lstStyle/>
-                    <a:p>
-                      <a:pPr marL="0" marR="0" lvl="0" indent="0" algn="ctr" defTabSz="914400" rtl="0" eaLnBrk="1" fontAlgn="auto" latinLnBrk="0" hangingPunct="1">
-                        <a:lnSpc>
-                          <a:spcPct val="100000"/>
-                        </a:lnSpc>
-                        <a:spcBef>
-                          <a:spcPts val="0"/>
-                        </a:spcBef>
-                        <a:spcAft>
-                          <a:spcPts val="0"/>
-                        </a:spcAft>
-                        <a:buClrTx/>
-                        <a:buSzTx/>
-                        <a:buFontTx/>
-                        <a:buNone/>
-                        <a:tabLst/>
-                        <a:defRPr/>
-                      </a:pPr>
-                      <a:r>
-                        <a:rPr lang="zh-TW" altLang="en-US" sz="2000" dirty="0">
-                          <a:latin typeface="Times New Roman" panose="02020603050405020304" pitchFamily="18" charset="0"/>
-                          <a:ea typeface="微軟正黑體" panose="020B0604030504040204" pitchFamily="34" charset="-120"/>
-                          <a:cs typeface="Times New Roman" panose="02020603050405020304" pitchFamily="18" charset="0"/>
-                        </a:rPr>
-                        <a:t>訓練資料樣本</a:t>
-                      </a:r>
-                      <a:endParaRPr lang="zh-TW" altLang="en-US" sz="2000" baseline="0" dirty="0">
-                        <a:latin typeface="Times New Roman" panose="02020603050405020304" pitchFamily="18" charset="0"/>
-                        <a:ea typeface="標楷體" panose="03000509000000000000" pitchFamily="65" charset="-120"/>
-                        <a:cs typeface="Times New Roman" panose="02020603050405020304" pitchFamily="18" charset="0"/>
-                      </a:endParaRPr>
-                    </a:p>
-                  </a:txBody>
-                  <a:tcPr anchor="ctr"/>
-                </a:tc>
-                <a:tc hMerge="1">
-                  <a:txBody>
-                    <a:bodyPr/>
-                    <a:lstStyle/>
-                    <a:p>
-                      <a:pPr marL="0" marR="0" lvl="0" indent="0" algn="ctr" defTabSz="914400" rtl="0" eaLnBrk="1" fontAlgn="auto" latinLnBrk="0" hangingPunct="1">
-                        <a:lnSpc>
-                          <a:spcPct val="100000"/>
-                        </a:lnSpc>
-                        <a:spcBef>
-                          <a:spcPts val="0"/>
-                        </a:spcBef>
-                        <a:spcAft>
-                          <a:spcPts val="0"/>
-                        </a:spcAft>
-                        <a:buClrTx/>
-                        <a:buSzTx/>
-                        <a:buFontTx/>
-                        <a:buNone/>
-                        <a:tabLst/>
-                        <a:defRPr/>
-                      </a:pPr>
-                      <a:endParaRPr lang="zh-TW" altLang="en-US" sz="2000" baseline="0" dirty="0">
-                        <a:latin typeface="Times New Roman" panose="02020603050405020304" pitchFamily="18" charset="0"/>
-                        <a:ea typeface="標楷體" panose="03000509000000000000" pitchFamily="65" charset="-120"/>
-                      </a:endParaRPr>
-                    </a:p>
-                  </a:txBody>
-                  <a:tcPr anchor="ctr"/>
-                </a:tc>
-                <a:extLst>
-                  <a:ext uri="{0D108BD9-81ED-4DB2-BD59-A6C34878D82A}">
-                    <a16:rowId xmlns:a16="http://schemas.microsoft.com/office/drawing/2014/main" val="353664780"/>
-                  </a:ext>
-                </a:extLst>
-              </a:tr>
-              <a:tr h="512974">
-                <a:tc>
-                  <a:txBody>
-                    <a:bodyPr/>
-                    <a:lstStyle/>
-                    <a:p>
-                      <a:pPr algn="ctr"/>
-                      <a:r>
-                        <a:rPr lang="en-US" altLang="zh-TW" sz="2000" baseline="0" dirty="0" err="1">
-                          <a:latin typeface="Times New Roman" panose="02020603050405020304" pitchFamily="18" charset="0"/>
-                          <a:ea typeface="標楷體" panose="03000509000000000000" pitchFamily="65" charset="-120"/>
-                          <a:cs typeface="Times New Roman" panose="02020603050405020304" pitchFamily="18" charset="0"/>
-                        </a:rPr>
-                        <a:t>SelfPlayDataSet</a:t>
-                      </a:r>
-                      <a:endParaRPr lang="en-US" altLang="zh-TW" sz="2000" baseline="0" dirty="0">
-                        <a:latin typeface="Times New Roman" panose="02020603050405020304" pitchFamily="18" charset="0"/>
-                        <a:ea typeface="標楷體" panose="03000509000000000000" pitchFamily="65" charset="-120"/>
-                        <a:cs typeface="Times New Roman" panose="02020603050405020304" pitchFamily="18" charset="0"/>
-                      </a:endParaRPr>
-                    </a:p>
-                  </a:txBody>
-                  <a:tcPr anchor="ctr"/>
-                </a:tc>
-                <a:tc>
-                  <a:txBody>
-                    <a:bodyPr/>
-                    <a:lstStyle/>
-                    <a:p>
-                      <a:pPr algn="ctr"/>
-                      <a:r>
-                        <a:rPr lang="zh-TW" altLang="en-US" sz="2000" baseline="0" dirty="0">
-                          <a:latin typeface="Times New Roman" panose="02020603050405020304" pitchFamily="18" charset="0"/>
-                          <a:ea typeface="標楷體" panose="03000509000000000000" pitchFamily="65" charset="-120"/>
-                          <a:cs typeface="Times New Roman" panose="02020603050405020304" pitchFamily="18" charset="0"/>
-                        </a:rPr>
-                        <a:t>自我對弈數據集類 </a:t>
-                      </a:r>
-                    </a:p>
-                  </a:txBody>
-                  <a:tcPr anchor="ctr"/>
-                </a:tc>
-                <a:extLst>
-                  <a:ext uri="{0D108BD9-81ED-4DB2-BD59-A6C34878D82A}">
-                    <a16:rowId xmlns:a16="http://schemas.microsoft.com/office/drawing/2014/main" val="1015971959"/>
-                  </a:ext>
-                </a:extLst>
-              </a:tr>
-              <a:tr h="512974">
-                <a:tc>
-                  <a:txBody>
-                    <a:bodyPr/>
-                    <a:lstStyle/>
-                    <a:p>
-                      <a:pPr algn="ctr"/>
-                      <a:r>
-                        <a:rPr lang="en-US" altLang="zh-TW" sz="2000" baseline="0" dirty="0" err="1">
-                          <a:latin typeface="Times New Roman" panose="02020603050405020304" pitchFamily="18" charset="0"/>
-                          <a:ea typeface="標楷體" panose="03000509000000000000" pitchFamily="65" charset="-120"/>
-                          <a:cs typeface="Times New Roman" panose="02020603050405020304" pitchFamily="18" charset="0"/>
-                        </a:rPr>
-                        <a:t>save_model</a:t>
-                      </a:r>
-                      <a:endParaRPr lang="en-US" altLang="zh-TW" sz="2000" baseline="0" dirty="0">
-                        <a:latin typeface="Times New Roman" panose="02020603050405020304" pitchFamily="18" charset="0"/>
-                        <a:ea typeface="標楷體" panose="03000509000000000000" pitchFamily="65" charset="-120"/>
-                        <a:cs typeface="Times New Roman" panose="02020603050405020304" pitchFamily="18" charset="0"/>
-                      </a:endParaRPr>
-                    </a:p>
-                  </a:txBody>
-                  <a:tcPr anchor="ctr"/>
-                </a:tc>
-                <a:tc>
-                  <a:txBody>
-                    <a:bodyPr/>
-                    <a:lstStyle/>
-                    <a:p>
-                      <a:pPr algn="ctr"/>
-                      <a:r>
-                        <a:rPr lang="zh-TW" altLang="en-US" sz="2000" baseline="0" dirty="0">
-                          <a:latin typeface="Times New Roman" panose="02020603050405020304" pitchFamily="18" charset="0"/>
-                          <a:ea typeface="標楷體" panose="03000509000000000000" pitchFamily="65" charset="-120"/>
-                          <a:cs typeface="Times New Roman" panose="02020603050405020304" pitchFamily="18" charset="0"/>
-                        </a:rPr>
-                        <a:t>保存模型</a:t>
-                      </a:r>
-                    </a:p>
-                  </a:txBody>
-                  <a:tcPr anchor="ctr"/>
-                </a:tc>
-                <a:extLst>
-                  <a:ext uri="{0D108BD9-81ED-4DB2-BD59-A6C34878D82A}">
-                    <a16:rowId xmlns:a16="http://schemas.microsoft.com/office/drawing/2014/main" val="1598383315"/>
-                  </a:ext>
-                </a:extLst>
-              </a:tr>
-            </a:tbl>
-          </a:graphicData>
-        </a:graphic>
-      </p:graphicFrame>
-      <p:sp>
-        <p:nvSpPr>
-          <p:cNvPr id="2" name="標題 1"/>
-          <p:cNvSpPr>
-            <a:spLocks noGrp="1"/>
-          </p:cNvSpPr>
-          <p:nvPr>
-            <p:ph type="title"/>
-          </p:nvPr>
-        </p:nvSpPr>
-        <p:spPr>
-          <a:xfrm>
-            <a:off x="0" y="0"/>
-            <a:ext cx="2901142" cy="1089498"/>
-          </a:xfrm>
-        </p:spPr>
-        <p:txBody>
-          <a:bodyPr anchor="ctr">
-            <a:normAutofit/>
-          </a:bodyPr>
-          <a:lstStyle/>
-          <a:p>
-            <a:pPr algn="ctr"/>
-            <a:r>
-              <a:rPr lang="zh-TW" altLang="en-US" sz="3600" dirty="0">
-                <a:latin typeface="Times New Roman" panose="02020603050405020304" pitchFamily="18" charset="0"/>
-                <a:ea typeface="標楷體" panose="03000509000000000000" pitchFamily="65" charset="-120"/>
-              </a:rPr>
-              <a:t>設計</a:t>
-            </a:r>
-            <a:br>
-              <a:rPr lang="en-US" altLang="zh-TW" sz="3600" dirty="0">
-                <a:latin typeface="Times New Roman" panose="02020603050405020304" pitchFamily="18" charset="0"/>
-                <a:ea typeface="標楷體" panose="03000509000000000000" pitchFamily="65" charset="-120"/>
-              </a:rPr>
-            </a:br>
-            <a:r>
-              <a:rPr lang="en-US" altLang="zh-TW" sz="3600" dirty="0">
-                <a:latin typeface="Times New Roman" panose="02020603050405020304" pitchFamily="18" charset="0"/>
-                <a:ea typeface="標楷體" panose="03000509000000000000" pitchFamily="65" charset="-120"/>
-              </a:rPr>
-              <a:t>Design-API </a:t>
-            </a:r>
-            <a:endParaRPr lang="zh-TW" altLang="en-US" sz="3600" dirty="0">
-              <a:latin typeface="Times New Roman" panose="02020603050405020304" pitchFamily="18" charset="0"/>
-              <a:ea typeface="標楷體" panose="03000509000000000000" pitchFamily="65" charset="-120"/>
-            </a:endParaRPr>
-          </a:p>
-        </p:txBody>
-      </p:sp>
-    </p:spTree>
-    <p:extLst>
-      <p:ext uri="{BB962C8B-B14F-4D97-AF65-F5344CB8AC3E}">
-        <p14:creationId xmlns:p14="http://schemas.microsoft.com/office/powerpoint/2010/main" val="3760049539"/>
-      </p:ext>
-    </p:extLst>
-  </p:cSld>
-  <p:clrMapOvr>
-    <a:masterClrMapping/>
-  </p:clrMapOvr>
-</p:sld>
-</file>
-
-<file path=ppt/slides/slide11.xml><?xml version="1.0" encoding="utf-8"?>
-<p:sld xmlns:a="http://schemas.openxmlformats.org/drawingml/2006/main" xmlns:r="http://schemas.openxmlformats.org/officeDocument/2006/relationships" xmlns:p="http://schemas.openxmlformats.org/presentationml/2006/main">
-  <p:cSld>
-    <p:bg>
-      <p:bgPr>
-        <a:blipFill>
-          <a:blip r:embed="rId2"/>
-          <a:tile tx="0" ty="0" sx="100000" sy="100000" flip="none" algn="tl"/>
-        </a:blipFill>
-        <a:effectLst/>
-      </p:bgPr>
-    </p:bg>
-    <p:spTree>
-      <p:nvGrpSpPr>
-        <p:cNvPr id="1" name=""/>
-        <p:cNvGrpSpPr/>
-        <p:nvPr/>
-      </p:nvGrpSpPr>
-      <p:grpSpPr>
-        <a:xfrm>
-          <a:off x="0" y="0"/>
-          <a:ext cx="0" cy="0"/>
-          <a:chOff x="0" y="0"/>
-          <a:chExt cx="0" cy="0"/>
-        </a:xfrm>
-      </p:grpSpPr>
-      <p:sp>
-        <p:nvSpPr>
-          <p:cNvPr id="2" name="標題 1"/>
-          <p:cNvSpPr>
-            <a:spLocks noGrp="1"/>
-          </p:cNvSpPr>
-          <p:nvPr>
-            <p:ph type="title"/>
-          </p:nvPr>
-        </p:nvSpPr>
-        <p:spPr>
-          <a:xfrm>
-            <a:off x="0" y="1618861"/>
-            <a:ext cx="1604865" cy="3620278"/>
-          </a:xfrm>
-        </p:spPr>
-        <p:txBody>
-          <a:bodyPr vert="eaVert" anchor="ctr">
-            <a:normAutofit/>
-          </a:bodyPr>
-          <a:lstStyle/>
-          <a:p>
-            <a:pPr algn="ctr"/>
-            <a:r>
-              <a:rPr lang="zh-TW" altLang="en-US" sz="3600" dirty="0">
-                <a:latin typeface="Times New Roman" panose="02020603050405020304" pitchFamily="18" charset="0"/>
-                <a:ea typeface="標楷體" panose="03000509000000000000" pitchFamily="65" charset="-120"/>
-              </a:rPr>
-              <a:t>設計</a:t>
-            </a:r>
-            <a:br>
-              <a:rPr lang="en-US" altLang="zh-TW" sz="3600" dirty="0">
-                <a:latin typeface="Times New Roman" panose="02020603050405020304" pitchFamily="18" charset="0"/>
-                <a:ea typeface="標楷體" panose="03000509000000000000" pitchFamily="65" charset="-120"/>
-              </a:rPr>
-            </a:br>
-            <a:r>
-              <a:rPr lang="en-US" altLang="zh-TW" sz="3600" dirty="0">
-                <a:latin typeface="Times New Roman" panose="02020603050405020304" pitchFamily="18" charset="0"/>
-                <a:ea typeface="標楷體" panose="03000509000000000000" pitchFamily="65" charset="-120"/>
-              </a:rPr>
-              <a:t>Design-API </a:t>
-            </a:r>
-            <a:endParaRPr lang="zh-TW" altLang="en-US" sz="3600" dirty="0">
-              <a:latin typeface="Times New Roman" panose="02020603050405020304" pitchFamily="18" charset="0"/>
-              <a:ea typeface="標楷體" panose="03000509000000000000" pitchFamily="65" charset="-120"/>
-            </a:endParaRPr>
-          </a:p>
-        </p:txBody>
-      </p:sp>
-      <p:graphicFrame>
-        <p:nvGraphicFramePr>
-          <p:cNvPr id="5" name="表格 6">
-            <a:extLst>
-              <a:ext uri="{FF2B5EF4-FFF2-40B4-BE49-F238E27FC236}">
-                <a16:creationId xmlns:a16="http://schemas.microsoft.com/office/drawing/2014/main" id="{F4B6CF8F-F691-4BAB-A880-298345C7EBF8}"/>
-              </a:ext>
-            </a:extLst>
-          </p:cNvPr>
-          <p:cNvGraphicFramePr>
-            <a:graphicFrameLocks noGrp="1"/>
-          </p:cNvGraphicFramePr>
-          <p:nvPr>
-            <p:extLst>
-              <p:ext uri="{D42A27DB-BD31-4B8C-83A1-F6EECF244321}">
-                <p14:modId xmlns:p14="http://schemas.microsoft.com/office/powerpoint/2010/main" val="3379982945"/>
-              </p:ext>
-            </p:extLst>
-          </p:nvPr>
-        </p:nvGraphicFramePr>
-        <p:xfrm>
-          <a:off x="2023188" y="358020"/>
-          <a:ext cx="9910665" cy="6141960"/>
-        </p:xfrm>
-        <a:graphic>
-          <a:graphicData uri="http://schemas.openxmlformats.org/drawingml/2006/table">
-            <a:tbl>
-              <a:tblPr firstRow="1" bandRow="1">
-                <a:tableStyleId>{073A0DAA-6AF3-43AB-8588-CEC1D06C72B9}</a:tableStyleId>
-              </a:tblPr>
-              <a:tblGrid>
-                <a:gridCol w="2604796">
-                  <a:extLst>
-                    <a:ext uri="{9D8B030D-6E8A-4147-A177-3AD203B41FA5}">
-                      <a16:colId xmlns:a16="http://schemas.microsoft.com/office/drawing/2014/main" val="224048993"/>
-                    </a:ext>
-                  </a:extLst>
-                </a:gridCol>
-                <a:gridCol w="7305869">
-                  <a:extLst>
-                    <a:ext uri="{9D8B030D-6E8A-4147-A177-3AD203B41FA5}">
-                      <a16:colId xmlns:a16="http://schemas.microsoft.com/office/drawing/2014/main" val="1402622497"/>
-                    </a:ext>
-                  </a:extLst>
-                </a:gridCol>
-              </a:tblGrid>
-              <a:tr h="274319">
-                <a:tc gridSpan="2">
-                  <a:txBody>
-                    <a:bodyPr/>
-                    <a:lstStyle/>
-                    <a:p>
-                      <a:pPr marL="0" marR="0" lvl="0" indent="0" algn="ctr" defTabSz="914400" rtl="0" eaLnBrk="1" fontAlgn="auto" latinLnBrk="0" hangingPunct="1">
-                        <a:lnSpc>
-                          <a:spcPct val="100000"/>
-                        </a:lnSpc>
-                        <a:spcBef>
-                          <a:spcPts val="0"/>
-                        </a:spcBef>
-                        <a:spcAft>
-                          <a:spcPts val="0"/>
-                        </a:spcAft>
-                        <a:buClrTx/>
-                        <a:buSzTx/>
-                        <a:buFontTx/>
-                        <a:buNone/>
-                        <a:tabLst/>
-                        <a:defRPr/>
-                      </a:pPr>
-                      <a:r>
-                        <a:rPr lang="en-US" altLang="zh-TW" sz="2000" baseline="0" dirty="0">
-                          <a:latin typeface="Times New Roman" panose="02020603050405020304" pitchFamily="18" charset="0"/>
-                          <a:ea typeface="微軟正黑體" panose="020B0604030504040204" pitchFamily="34" charset="-120"/>
-                        </a:rPr>
-                        <a:t>RL</a:t>
-                      </a:r>
-                    </a:p>
-                  </a:txBody>
-                  <a:tcPr anchor="ctr"/>
-                </a:tc>
-                <a:tc hMerge="1">
-                  <a:txBody>
-                    <a:bodyPr/>
-                    <a:lstStyle/>
-                    <a:p>
-                      <a:pPr marL="0" marR="0" lvl="0" indent="0" algn="ctr" defTabSz="914400" rtl="0" eaLnBrk="1" fontAlgn="auto" latinLnBrk="0" hangingPunct="1">
-                        <a:lnSpc>
-                          <a:spcPct val="100000"/>
-                        </a:lnSpc>
-                        <a:spcBef>
-                          <a:spcPts val="0"/>
-                        </a:spcBef>
-                        <a:spcAft>
-                          <a:spcPts val="0"/>
-                        </a:spcAft>
-                        <a:buClrTx/>
-                        <a:buSzTx/>
-                        <a:buFontTx/>
-                        <a:buNone/>
-                        <a:tabLst/>
-                        <a:defRPr/>
-                      </a:pPr>
-                      <a:endParaRPr lang="zh-TW" altLang="en-US" sz="2000" baseline="0" dirty="0">
-                        <a:latin typeface="Times New Roman" panose="02020603050405020304" pitchFamily="18" charset="0"/>
-                        <a:ea typeface="標楷體" panose="03000509000000000000" pitchFamily="65" charset="-120"/>
-                      </a:endParaRPr>
-                    </a:p>
-                  </a:txBody>
-                  <a:tcPr anchor="ctr"/>
-                </a:tc>
-                <a:extLst>
-                  <a:ext uri="{0D108BD9-81ED-4DB2-BD59-A6C34878D82A}">
-                    <a16:rowId xmlns:a16="http://schemas.microsoft.com/office/drawing/2014/main" val="353664780"/>
-                  </a:ext>
-                </a:extLst>
-              </a:tr>
-              <a:tr h="478810">
-                <a:tc rowSpan="12">
-                  <a:txBody>
-                    <a:bodyPr/>
-                    <a:lstStyle/>
-                    <a:p>
-                      <a:pPr marL="0" marR="0" lvl="0" indent="0" algn="ctr" defTabSz="914400" rtl="0" eaLnBrk="1" fontAlgn="auto" latinLnBrk="0" hangingPunct="1">
-                        <a:lnSpc>
-                          <a:spcPct val="100000"/>
-                        </a:lnSpc>
-                        <a:spcBef>
-                          <a:spcPts val="0"/>
-                        </a:spcBef>
-                        <a:spcAft>
-                          <a:spcPts val="0"/>
-                        </a:spcAft>
-                        <a:buClrTx/>
-                        <a:buSzTx/>
-                        <a:buFontTx/>
-                        <a:buNone/>
-                        <a:tabLst/>
-                        <a:defRPr/>
-                      </a:pPr>
-                      <a:r>
-                        <a:rPr lang="en-US" altLang="zh-TW" sz="2000" b="0" kern="1200" baseline="0" dirty="0" err="1">
-                          <a:solidFill>
-                            <a:schemeClr val="dk1"/>
-                          </a:solidFill>
-                          <a:effectLst/>
-                          <a:latin typeface="Times New Roman" panose="02020603050405020304" pitchFamily="18" charset="0"/>
-                          <a:ea typeface="微軟正黑體" panose="020B0604030504040204" pitchFamily="34" charset="-120"/>
-                          <a:cs typeface="Times New Roman" panose="02020603050405020304" pitchFamily="18" charset="0"/>
-                        </a:rPr>
-                        <a:t>TrainModel</a:t>
-                      </a:r>
-                      <a:r>
-                        <a:rPr lang="zh-TW" altLang="en-US" sz="2000" b="0" kern="1200" baseline="0" dirty="0">
-                          <a:solidFill>
-                            <a:schemeClr val="dk1"/>
-                          </a:solidFill>
-                          <a:effectLst/>
-                          <a:latin typeface="Times New Roman" panose="02020603050405020304" pitchFamily="18" charset="0"/>
-                          <a:ea typeface="微軟正黑體" panose="020B0604030504040204" pitchFamily="34" charset="-120"/>
-                          <a:cs typeface="Times New Roman" panose="02020603050405020304" pitchFamily="18" charset="0"/>
-                        </a:rPr>
-                        <a:t> </a:t>
-                      </a:r>
-                      <a:endParaRPr lang="en-US" altLang="zh-TW" sz="2000" b="0" kern="1200" baseline="0" dirty="0">
-                        <a:solidFill>
-                          <a:schemeClr val="dk1"/>
-                        </a:solidFill>
-                        <a:effectLst/>
-                        <a:latin typeface="Times New Roman" panose="02020603050405020304" pitchFamily="18" charset="0"/>
-                        <a:ea typeface="微軟正黑體" panose="020B0604030504040204" pitchFamily="34" charset="-120"/>
-                        <a:cs typeface="Times New Roman" panose="02020603050405020304" pitchFamily="18" charset="0"/>
-                      </a:endParaRPr>
-                    </a:p>
-                    <a:p>
-                      <a:pPr marL="0" marR="0" lvl="0" indent="0" algn="ctr" defTabSz="914400" rtl="0" eaLnBrk="1" fontAlgn="auto" latinLnBrk="0" hangingPunct="1">
-                        <a:lnSpc>
-                          <a:spcPct val="100000"/>
-                        </a:lnSpc>
-                        <a:spcBef>
-                          <a:spcPts val="0"/>
-                        </a:spcBef>
-                        <a:spcAft>
-                          <a:spcPts val="0"/>
-                        </a:spcAft>
-                        <a:buClrTx/>
-                        <a:buSzTx/>
-                        <a:buFontTx/>
-                        <a:buNone/>
-                        <a:tabLst/>
-                        <a:defRPr/>
-                      </a:pPr>
-                      <a:r>
-                        <a:rPr lang="zh-TW" altLang="en-US" sz="2000" b="0" kern="1200" baseline="0" dirty="0">
-                          <a:solidFill>
-                            <a:schemeClr val="dk1"/>
-                          </a:solidFill>
-                          <a:effectLst/>
-                          <a:latin typeface="Times New Roman" panose="02020603050405020304" pitchFamily="18" charset="0"/>
-                          <a:ea typeface="微軟正黑體" panose="020B0604030504040204" pitchFamily="34" charset="-120"/>
-                          <a:cs typeface="Times New Roman" panose="02020603050405020304" pitchFamily="18" charset="0"/>
-                        </a:rPr>
-                        <a:t>訓練模型參數  </a:t>
-                      </a:r>
-                      <a:endParaRPr lang="en-US" altLang="zh-TW" sz="2000" b="0" kern="1200" baseline="0" dirty="0">
-                        <a:solidFill>
-                          <a:schemeClr val="dk1"/>
-                        </a:solidFill>
-                        <a:effectLst/>
-                        <a:latin typeface="Times New Roman" panose="02020603050405020304" pitchFamily="18" charset="0"/>
-                        <a:ea typeface="微軟正黑體" panose="020B0604030504040204" pitchFamily="34" charset="-120"/>
-                        <a:cs typeface="Times New Roman" panose="02020603050405020304" pitchFamily="18" charset="0"/>
-                      </a:endParaRPr>
-                    </a:p>
-                  </a:txBody>
-                  <a:tcPr anchor="ctr"/>
-                </a:tc>
-                <a:tc>
-                  <a:txBody>
-                    <a:bodyPr/>
-                    <a:lstStyle/>
-                    <a:p>
-                      <a:pPr marL="0" marR="0" lvl="0" indent="0" algn="ctr" defTabSz="914400" rtl="0" eaLnBrk="1" fontAlgn="auto" latinLnBrk="0" hangingPunct="1">
-                        <a:lnSpc>
-                          <a:spcPct val="100000"/>
-                        </a:lnSpc>
-                        <a:spcBef>
-                          <a:spcPts val="0"/>
-                        </a:spcBef>
-                        <a:spcAft>
-                          <a:spcPts val="0"/>
-                        </a:spcAft>
-                        <a:buClrTx/>
-                        <a:buSzTx/>
-                        <a:buFontTx/>
-                        <a:buNone/>
-                        <a:tabLst/>
-                        <a:defRPr/>
-                      </a:pPr>
-                      <a:r>
-                        <a:rPr lang="en-US" altLang="zh-TW" sz="2000" b="0" kern="1200" baseline="0" dirty="0" err="1">
-                          <a:solidFill>
-                            <a:schemeClr val="dk1"/>
-                          </a:solidFill>
-                          <a:effectLst/>
-                          <a:latin typeface="Times New Roman" panose="02020603050405020304" pitchFamily="18" charset="0"/>
-                          <a:ea typeface="微軟正黑體" panose="020B0604030504040204" pitchFamily="34" charset="-120"/>
-                          <a:cs typeface="Times New Roman" panose="02020603050405020304" pitchFamily="18" charset="0"/>
-                        </a:rPr>
-                        <a:t>board_len</a:t>
-                      </a:r>
-                      <a:r>
-                        <a:rPr lang="en-US" altLang="zh-TW" sz="2000" b="0" kern="1200" baseline="0" dirty="0">
-                          <a:solidFill>
-                            <a:schemeClr val="dk1"/>
-                          </a:solidFill>
-                          <a:effectLst/>
-                          <a:latin typeface="Times New Roman" panose="02020603050405020304" pitchFamily="18" charset="0"/>
-                          <a:ea typeface="微軟正黑體" panose="020B0604030504040204" pitchFamily="34" charset="-120"/>
-                          <a:cs typeface="Times New Roman" panose="02020603050405020304" pitchFamily="18" charset="0"/>
-                        </a:rPr>
-                        <a:t>: int</a:t>
-                      </a:r>
-                      <a:r>
-                        <a:rPr lang="zh-TW" altLang="en-US" sz="2000" b="0" kern="1200" baseline="0" dirty="0">
-                          <a:solidFill>
-                            <a:schemeClr val="dk1"/>
-                          </a:solidFill>
-                          <a:effectLst/>
-                          <a:latin typeface="Times New Roman" panose="02020603050405020304" pitchFamily="18" charset="0"/>
-                          <a:ea typeface="微軟正黑體" panose="020B0604030504040204" pitchFamily="34" charset="-120"/>
-                          <a:cs typeface="Times New Roman" panose="02020603050405020304" pitchFamily="18" charset="0"/>
-                        </a:rPr>
-                        <a:t> 棋盤大小</a:t>
-                      </a:r>
-                    </a:p>
-                  </a:txBody>
-                  <a:tcPr anchor="ctr"/>
-                </a:tc>
-                <a:extLst>
-                  <a:ext uri="{0D108BD9-81ED-4DB2-BD59-A6C34878D82A}">
-                    <a16:rowId xmlns:a16="http://schemas.microsoft.com/office/drawing/2014/main" val="1015971959"/>
-                  </a:ext>
-                </a:extLst>
-              </a:tr>
-              <a:tr h="478810">
-                <a:tc vMerge="1">
-                  <a:txBody>
-                    <a:bodyPr/>
-                    <a:lstStyle/>
-                    <a:p>
-                      <a:pPr algn="ctr"/>
-                      <a:endParaRPr lang="zh-TW" altLang="en-US" sz="2000" baseline="0" dirty="0">
-                        <a:latin typeface="Times New Roman" panose="02020603050405020304" pitchFamily="18" charset="0"/>
-                        <a:ea typeface="微軟正黑體" panose="020B0604030504040204" pitchFamily="34" charset="-120"/>
-                        <a:cs typeface="Times New Roman" panose="02020603050405020304" pitchFamily="18" charset="0"/>
-                      </a:endParaRPr>
-                    </a:p>
-                  </a:txBody>
-                  <a:tcPr anchor="ctr"/>
-                </a:tc>
-                <a:tc>
-                  <a:txBody>
-                    <a:bodyPr/>
-                    <a:lstStyle/>
-                    <a:p>
-                      <a:pPr algn="ctr"/>
-                      <a:r>
-                        <a:rPr lang="en-US" altLang="zh-TW" sz="2000" baseline="0" dirty="0" err="1">
-                          <a:latin typeface="Times New Roman" panose="02020603050405020304" pitchFamily="18" charset="0"/>
-                          <a:ea typeface="微軟正黑體" panose="020B0604030504040204" pitchFamily="34" charset="-120"/>
-                          <a:cs typeface="Times New Roman" panose="02020603050405020304" pitchFamily="18" charset="0"/>
-                        </a:rPr>
-                        <a:t>lr</a:t>
-                      </a:r>
-                      <a:r>
-                        <a:rPr lang="en-US" altLang="zh-TW" sz="2000" baseline="0" dirty="0">
-                          <a:latin typeface="Times New Roman" panose="02020603050405020304" pitchFamily="18" charset="0"/>
-                          <a:ea typeface="微軟正黑體" panose="020B0604030504040204" pitchFamily="34" charset="-120"/>
-                          <a:cs typeface="Times New Roman" panose="02020603050405020304" pitchFamily="18" charset="0"/>
-                        </a:rPr>
-                        <a:t>: float</a:t>
-                      </a:r>
-                      <a:r>
-                        <a:rPr lang="zh-TW" altLang="en-US" sz="2000" baseline="0" dirty="0">
-                          <a:latin typeface="Times New Roman" panose="02020603050405020304" pitchFamily="18" charset="0"/>
-                          <a:ea typeface="微軟正黑體" panose="020B0604030504040204" pitchFamily="34" charset="-120"/>
-                          <a:cs typeface="Times New Roman" panose="02020603050405020304" pitchFamily="18" charset="0"/>
-                        </a:rPr>
-                        <a:t> 學習率</a:t>
-                      </a:r>
-                    </a:p>
-                  </a:txBody>
-                  <a:tcPr anchor="ctr"/>
-                </a:tc>
-                <a:extLst>
-                  <a:ext uri="{0D108BD9-81ED-4DB2-BD59-A6C34878D82A}">
-                    <a16:rowId xmlns:a16="http://schemas.microsoft.com/office/drawing/2014/main" val="1155504496"/>
-                  </a:ext>
-                </a:extLst>
-              </a:tr>
-              <a:tr h="478810">
-                <a:tc vMerge="1">
-                  <a:txBody>
-                    <a:bodyPr/>
-                    <a:lstStyle/>
-                    <a:p>
-                      <a:pPr marL="0" marR="0" lvl="0" indent="0" algn="ctr" defTabSz="914400" rtl="0" eaLnBrk="1" fontAlgn="auto" latinLnBrk="0" hangingPunct="1">
-                        <a:lnSpc>
-                          <a:spcPct val="100000"/>
-                        </a:lnSpc>
-                        <a:spcBef>
-                          <a:spcPts val="0"/>
-                        </a:spcBef>
-                        <a:spcAft>
-                          <a:spcPts val="0"/>
-                        </a:spcAft>
-                        <a:buClrTx/>
-                        <a:buSzTx/>
-                        <a:buFontTx/>
-                        <a:buNone/>
-                        <a:tabLst/>
-                        <a:defRPr/>
-                      </a:pPr>
-                      <a:endParaRPr lang="en-US" altLang="zh-TW" sz="2000" b="0" kern="1200" baseline="0" dirty="0">
-                        <a:solidFill>
-                          <a:schemeClr val="dk1"/>
-                        </a:solidFill>
-                        <a:effectLst/>
-                        <a:latin typeface="Times New Roman" panose="02020603050405020304" pitchFamily="18" charset="0"/>
-                        <a:ea typeface="微軟正黑體" panose="020B0604030504040204" pitchFamily="34" charset="-120"/>
-                        <a:cs typeface="Times New Roman" panose="02020603050405020304" pitchFamily="18" charset="0"/>
-                      </a:endParaRPr>
-                    </a:p>
-                  </a:txBody>
-                  <a:tcPr anchor="ctr"/>
-                </a:tc>
-                <a:tc>
-                  <a:txBody>
-                    <a:bodyPr/>
-                    <a:lstStyle/>
-                    <a:p>
-                      <a:pPr marL="0" marR="0" lvl="0" indent="0" algn="ctr" defTabSz="914400" rtl="0" eaLnBrk="1" fontAlgn="auto" latinLnBrk="0" hangingPunct="1">
-                        <a:lnSpc>
-                          <a:spcPct val="100000"/>
-                        </a:lnSpc>
-                        <a:spcBef>
-                          <a:spcPts val="0"/>
-                        </a:spcBef>
-                        <a:spcAft>
-                          <a:spcPts val="0"/>
-                        </a:spcAft>
-                        <a:buClrTx/>
-                        <a:buSzTx/>
-                        <a:buFontTx/>
-                        <a:buNone/>
-                        <a:tabLst/>
-                        <a:defRPr/>
-                      </a:pPr>
-                      <a:r>
-                        <a:rPr lang="en-US" altLang="zh-TW" sz="2000" b="0" kern="1200" baseline="0" dirty="0">
-                          <a:solidFill>
-                            <a:schemeClr val="dk1"/>
-                          </a:solidFill>
-                          <a:effectLst/>
-                          <a:latin typeface="Times New Roman" panose="02020603050405020304" pitchFamily="18" charset="0"/>
-                          <a:ea typeface="微軟正黑體" panose="020B0604030504040204" pitchFamily="34" charset="-120"/>
-                          <a:cs typeface="Times New Roman" panose="02020603050405020304" pitchFamily="18" charset="0"/>
-                        </a:rPr>
-                        <a:t> </a:t>
-                      </a:r>
-                      <a:r>
-                        <a:rPr lang="en-US" altLang="zh-TW" sz="2000" b="0" kern="1200" baseline="0" dirty="0" err="1">
-                          <a:solidFill>
-                            <a:schemeClr val="dk1"/>
-                          </a:solidFill>
-                          <a:effectLst/>
-                          <a:latin typeface="Times New Roman" panose="02020603050405020304" pitchFamily="18" charset="0"/>
-                          <a:ea typeface="微軟正黑體" panose="020B0604030504040204" pitchFamily="34" charset="-120"/>
-                          <a:cs typeface="Times New Roman" panose="02020603050405020304" pitchFamily="18" charset="0"/>
-                        </a:rPr>
-                        <a:t>n_self_plays</a:t>
-                      </a:r>
-                      <a:r>
-                        <a:rPr lang="en-US" altLang="zh-TW" sz="2000" b="0" kern="1200" baseline="0" dirty="0">
-                          <a:solidFill>
-                            <a:schemeClr val="dk1"/>
-                          </a:solidFill>
-                          <a:effectLst/>
-                          <a:latin typeface="Times New Roman" panose="02020603050405020304" pitchFamily="18" charset="0"/>
-                          <a:ea typeface="微軟正黑體" panose="020B0604030504040204" pitchFamily="34" charset="-120"/>
-                          <a:cs typeface="Times New Roman" panose="02020603050405020304" pitchFamily="18" charset="0"/>
-                        </a:rPr>
-                        <a:t>: int</a:t>
-                      </a:r>
-                      <a:r>
-                        <a:rPr lang="zh-TW" altLang="en-US" sz="2000" b="0" kern="1200" baseline="0" dirty="0">
-                          <a:solidFill>
-                            <a:schemeClr val="dk1"/>
-                          </a:solidFill>
-                          <a:effectLst/>
-                          <a:latin typeface="Times New Roman" panose="02020603050405020304" pitchFamily="18" charset="0"/>
-                          <a:ea typeface="微軟正黑體" panose="020B0604030504040204" pitchFamily="34" charset="-120"/>
-                          <a:cs typeface="Times New Roman" panose="02020603050405020304" pitchFamily="18" charset="0"/>
-                        </a:rPr>
-                        <a:t> 自我博弈遊戲局數</a:t>
-                      </a:r>
-                      <a:endParaRPr lang="en-US" altLang="zh-TW" sz="2000" b="0" kern="1200" baseline="0" dirty="0">
-                        <a:solidFill>
-                          <a:schemeClr val="dk1"/>
-                        </a:solidFill>
-                        <a:effectLst/>
-                        <a:latin typeface="Times New Roman" panose="02020603050405020304" pitchFamily="18" charset="0"/>
-                        <a:ea typeface="微軟正黑體" panose="020B0604030504040204" pitchFamily="34" charset="-120"/>
-                        <a:cs typeface="Times New Roman" panose="02020603050405020304" pitchFamily="18" charset="0"/>
-                      </a:endParaRPr>
-                    </a:p>
-                  </a:txBody>
-                  <a:tcPr anchor="ctr"/>
-                </a:tc>
-                <a:extLst>
-                  <a:ext uri="{0D108BD9-81ED-4DB2-BD59-A6C34878D82A}">
-                    <a16:rowId xmlns:a16="http://schemas.microsoft.com/office/drawing/2014/main" val="2610890442"/>
-                  </a:ext>
-                </a:extLst>
-              </a:tr>
-              <a:tr h="478810">
-                <a:tc vMerge="1">
-                  <a:txBody>
-                    <a:bodyPr/>
-                    <a:lstStyle/>
-                    <a:p>
-                      <a:pPr algn="ctr"/>
-                      <a:endParaRPr lang="zh-TW" altLang="en-US" sz="2000" baseline="0" dirty="0">
-                        <a:latin typeface="Times New Roman" panose="02020603050405020304" pitchFamily="18" charset="0"/>
-                        <a:ea typeface="微軟正黑體" panose="020B0604030504040204" pitchFamily="34" charset="-120"/>
-                        <a:cs typeface="Times New Roman" panose="02020603050405020304" pitchFamily="18" charset="0"/>
-                      </a:endParaRPr>
-                    </a:p>
-                  </a:txBody>
-                  <a:tcPr anchor="ctr"/>
-                </a:tc>
-                <a:tc>
-                  <a:txBody>
-                    <a:bodyPr/>
-                    <a:lstStyle/>
-                    <a:p>
-                      <a:pPr algn="ctr"/>
-                      <a:r>
-                        <a:rPr lang="en-US" altLang="zh-TW" sz="2000" baseline="0" dirty="0" err="1">
-                          <a:latin typeface="Times New Roman" panose="02020603050405020304" pitchFamily="18" charset="0"/>
-                          <a:ea typeface="微軟正黑體" panose="020B0604030504040204" pitchFamily="34" charset="-120"/>
-                          <a:cs typeface="Times New Roman" panose="02020603050405020304" pitchFamily="18" charset="0"/>
-                        </a:rPr>
-                        <a:t>n_mcts_iters</a:t>
-                      </a:r>
-                      <a:r>
-                        <a:rPr lang="en-US" altLang="zh-TW" sz="2000" baseline="0" dirty="0">
-                          <a:latin typeface="Times New Roman" panose="02020603050405020304" pitchFamily="18" charset="0"/>
-                          <a:ea typeface="微軟正黑體" panose="020B0604030504040204" pitchFamily="34" charset="-120"/>
-                          <a:cs typeface="Times New Roman" panose="02020603050405020304" pitchFamily="18" charset="0"/>
-                        </a:rPr>
-                        <a:t>: int</a:t>
-                      </a:r>
-                      <a:r>
-                        <a:rPr lang="zh-TW" altLang="en-US" sz="2000" baseline="0" dirty="0">
-                          <a:latin typeface="Times New Roman" panose="02020603050405020304" pitchFamily="18" charset="0"/>
-                          <a:ea typeface="微軟正黑體" panose="020B0604030504040204" pitchFamily="34" charset="-120"/>
-                          <a:cs typeface="Times New Roman" panose="02020603050405020304" pitchFamily="18" charset="0"/>
-                        </a:rPr>
-                        <a:t> 蒙特卡洛樹搜索次數</a:t>
-                      </a:r>
-                    </a:p>
-                  </a:txBody>
-                  <a:tcPr anchor="ctr"/>
-                </a:tc>
-                <a:extLst>
-                  <a:ext uri="{0D108BD9-81ED-4DB2-BD59-A6C34878D82A}">
-                    <a16:rowId xmlns:a16="http://schemas.microsoft.com/office/drawing/2014/main" val="1802345360"/>
-                  </a:ext>
-                </a:extLst>
-              </a:tr>
-              <a:tr h="478810">
-                <a:tc vMerge="1">
-                  <a:txBody>
-                    <a:bodyPr/>
-                    <a:lstStyle/>
-                    <a:p>
-                      <a:pPr algn="ctr"/>
-                      <a:endParaRPr lang="zh-TW" altLang="en-US" sz="2000" baseline="0" dirty="0">
-                        <a:latin typeface="Times New Roman" panose="02020603050405020304" pitchFamily="18" charset="0"/>
-                        <a:ea typeface="微軟正黑體" panose="020B0604030504040204" pitchFamily="34" charset="-120"/>
-                        <a:cs typeface="Times New Roman" panose="02020603050405020304" pitchFamily="18" charset="0"/>
-                      </a:endParaRPr>
-                    </a:p>
-                  </a:txBody>
-                  <a:tcPr anchor="ctr"/>
-                </a:tc>
-                <a:tc>
-                  <a:txBody>
-                    <a:bodyPr/>
-                    <a:lstStyle/>
-                    <a:p>
-                      <a:pPr algn="ctr"/>
-                      <a:r>
-                        <a:rPr lang="en-US" altLang="zh-TW" sz="2000" baseline="0" dirty="0" err="1">
-                          <a:latin typeface="Times New Roman" panose="02020603050405020304" pitchFamily="18" charset="0"/>
-                          <a:ea typeface="微軟正黑體" panose="020B0604030504040204" pitchFamily="34" charset="-120"/>
-                          <a:cs typeface="Times New Roman" panose="02020603050405020304" pitchFamily="18" charset="0"/>
-                        </a:rPr>
-                        <a:t>n_feature_planes</a:t>
-                      </a:r>
-                      <a:r>
-                        <a:rPr lang="en-US" altLang="zh-TW" sz="2000" baseline="0" dirty="0">
-                          <a:latin typeface="Times New Roman" panose="02020603050405020304" pitchFamily="18" charset="0"/>
-                          <a:ea typeface="微軟正黑體" panose="020B0604030504040204" pitchFamily="34" charset="-120"/>
-                          <a:cs typeface="Times New Roman" panose="02020603050405020304" pitchFamily="18" charset="0"/>
-                        </a:rPr>
-                        <a:t>: int</a:t>
-                      </a:r>
-                      <a:r>
-                        <a:rPr lang="zh-TW" altLang="en-US" sz="2000" baseline="0" dirty="0">
-                          <a:latin typeface="Times New Roman" panose="02020603050405020304" pitchFamily="18" charset="0"/>
-                          <a:ea typeface="微軟正黑體" panose="020B0604030504040204" pitchFamily="34" charset="-120"/>
-                          <a:cs typeface="Times New Roman" panose="02020603050405020304" pitchFamily="18" charset="0"/>
-                        </a:rPr>
-                        <a:t> 特徵平面個數</a:t>
-                      </a:r>
-                    </a:p>
-                  </a:txBody>
-                  <a:tcPr anchor="ctr"/>
-                </a:tc>
-                <a:extLst>
-                  <a:ext uri="{0D108BD9-81ED-4DB2-BD59-A6C34878D82A}">
-                    <a16:rowId xmlns:a16="http://schemas.microsoft.com/office/drawing/2014/main" val="126790347"/>
-                  </a:ext>
-                </a:extLst>
-              </a:tr>
-              <a:tr h="478810">
-                <a:tc vMerge="1">
-                  <a:txBody>
-                    <a:bodyPr/>
-                    <a:lstStyle/>
-                    <a:p>
-                      <a:pPr algn="ctr"/>
-                      <a:endParaRPr lang="zh-TW" altLang="en-US" sz="2000" baseline="0" dirty="0">
-                        <a:latin typeface="Times New Roman" panose="02020603050405020304" pitchFamily="18" charset="0"/>
-                        <a:ea typeface="微軟正黑體" panose="020B0604030504040204" pitchFamily="34" charset="-120"/>
-                        <a:cs typeface="Times New Roman" panose="02020603050405020304" pitchFamily="18" charset="0"/>
-                      </a:endParaRPr>
-                    </a:p>
-                  </a:txBody>
-                  <a:tcPr anchor="ctr"/>
-                </a:tc>
-                <a:tc>
-                  <a:txBody>
-                    <a:bodyPr/>
-                    <a:lstStyle/>
-                    <a:p>
-                      <a:pPr algn="ctr"/>
-                      <a:r>
-                        <a:rPr lang="en-US" altLang="zh-TW" sz="2000" baseline="0" dirty="0" err="1">
-                          <a:latin typeface="Times New Roman" panose="02020603050405020304" pitchFamily="18" charset="0"/>
-                          <a:ea typeface="微軟正黑體" panose="020B0604030504040204" pitchFamily="34" charset="-120"/>
-                          <a:cs typeface="Times New Roman" panose="02020603050405020304" pitchFamily="18" charset="0"/>
-                        </a:rPr>
-                        <a:t>batch_size</a:t>
-                      </a:r>
-                      <a:r>
-                        <a:rPr lang="en-US" altLang="zh-TW" sz="2000" baseline="0" dirty="0">
-                          <a:latin typeface="Times New Roman" panose="02020603050405020304" pitchFamily="18" charset="0"/>
-                          <a:ea typeface="微軟正黑體" panose="020B0604030504040204" pitchFamily="34" charset="-120"/>
-                          <a:cs typeface="Times New Roman" panose="02020603050405020304" pitchFamily="18" charset="0"/>
-                        </a:rPr>
-                        <a:t>: int</a:t>
-                      </a:r>
-                      <a:r>
-                        <a:rPr lang="zh-TW" altLang="en-US" sz="2000" baseline="0" dirty="0">
-                          <a:latin typeface="Times New Roman" panose="02020603050405020304" pitchFamily="18" charset="0"/>
-                          <a:ea typeface="微軟正黑體" panose="020B0604030504040204" pitchFamily="34" charset="-120"/>
-                          <a:cs typeface="Times New Roman" panose="02020603050405020304" pitchFamily="18" charset="0"/>
-                        </a:rPr>
-                        <a:t> </a:t>
-                      </a:r>
-                      <a:r>
-                        <a:rPr lang="en-US" altLang="zh-TW" sz="2000" baseline="0" dirty="0">
-                          <a:latin typeface="Times New Roman" panose="02020603050405020304" pitchFamily="18" charset="0"/>
-                          <a:ea typeface="微軟正黑體" panose="020B0604030504040204" pitchFamily="34" charset="-120"/>
-                          <a:cs typeface="Times New Roman" panose="02020603050405020304" pitchFamily="18" charset="0"/>
-                        </a:rPr>
-                        <a:t>mini-batch </a:t>
-                      </a:r>
-                      <a:r>
-                        <a:rPr lang="zh-TW" altLang="en-US" sz="2000" baseline="0" dirty="0">
-                          <a:latin typeface="Times New Roman" panose="02020603050405020304" pitchFamily="18" charset="0"/>
-                          <a:ea typeface="微軟正黑體" panose="020B0604030504040204" pitchFamily="34" charset="-120"/>
-                          <a:cs typeface="Times New Roman" panose="02020603050405020304" pitchFamily="18" charset="0"/>
-                        </a:rPr>
-                        <a:t>的大小</a:t>
-                      </a:r>
-                    </a:p>
-                  </a:txBody>
-                  <a:tcPr anchor="ctr"/>
-                </a:tc>
-                <a:extLst>
-                  <a:ext uri="{0D108BD9-81ED-4DB2-BD59-A6C34878D82A}">
-                    <a16:rowId xmlns:a16="http://schemas.microsoft.com/office/drawing/2014/main" val="3834183140"/>
-                  </a:ext>
-                </a:extLst>
-              </a:tr>
-              <a:tr h="478810">
-                <a:tc vMerge="1">
-                  <a:txBody>
-                    <a:bodyPr/>
-                    <a:lstStyle/>
-                    <a:p>
-                      <a:pPr algn="ctr"/>
-                      <a:endParaRPr lang="zh-TW" altLang="en-US" sz="2000" baseline="0" dirty="0">
-                        <a:latin typeface="Times New Roman" panose="02020603050405020304" pitchFamily="18" charset="0"/>
-                        <a:ea typeface="微軟正黑體" panose="020B0604030504040204" pitchFamily="34" charset="-120"/>
-                        <a:cs typeface="Times New Roman" panose="02020603050405020304" pitchFamily="18" charset="0"/>
-                      </a:endParaRPr>
-                    </a:p>
-                  </a:txBody>
-                  <a:tcPr anchor="ctr"/>
-                </a:tc>
-                <a:tc>
-                  <a:txBody>
-                    <a:bodyPr/>
-                    <a:lstStyle/>
-                    <a:p>
-                      <a:pPr algn="ctr"/>
-                      <a:r>
-                        <a:rPr lang="en-US" altLang="zh-TW" sz="2000" baseline="0" dirty="0" err="1">
-                          <a:latin typeface="Times New Roman" panose="02020603050405020304" pitchFamily="18" charset="0"/>
-                          <a:ea typeface="微軟正黑體" panose="020B0604030504040204" pitchFamily="34" charset="-120"/>
-                          <a:cs typeface="Times New Roman" panose="02020603050405020304" pitchFamily="18" charset="0"/>
-                        </a:rPr>
-                        <a:t>start_train_size</a:t>
-                      </a:r>
-                      <a:r>
-                        <a:rPr lang="en-US" altLang="zh-TW" sz="2000" baseline="0" dirty="0">
-                          <a:latin typeface="Times New Roman" panose="02020603050405020304" pitchFamily="18" charset="0"/>
-                          <a:ea typeface="微軟正黑體" panose="020B0604030504040204" pitchFamily="34" charset="-120"/>
-                          <a:cs typeface="Times New Roman" panose="02020603050405020304" pitchFamily="18" charset="0"/>
-                        </a:rPr>
-                        <a:t>: int</a:t>
-                      </a:r>
-                      <a:r>
-                        <a:rPr lang="zh-TW" altLang="en-US" sz="2000" baseline="0" dirty="0">
-                          <a:latin typeface="Times New Roman" panose="02020603050405020304" pitchFamily="18" charset="0"/>
-                          <a:ea typeface="微軟正黑體" panose="020B0604030504040204" pitchFamily="34" charset="-120"/>
-                          <a:cs typeface="Times New Roman" panose="02020603050405020304" pitchFamily="18" charset="0"/>
-                        </a:rPr>
-                        <a:t> 開始訓練模型時的最小數據集尺寸</a:t>
-                      </a:r>
-                    </a:p>
-                  </a:txBody>
-                  <a:tcPr anchor="ctr"/>
-                </a:tc>
-                <a:extLst>
-                  <a:ext uri="{0D108BD9-81ED-4DB2-BD59-A6C34878D82A}">
-                    <a16:rowId xmlns:a16="http://schemas.microsoft.com/office/drawing/2014/main" val="1592621926"/>
-                  </a:ext>
-                </a:extLst>
-              </a:tr>
-              <a:tr h="478810">
-                <a:tc vMerge="1">
-                  <a:txBody>
-                    <a:bodyPr/>
-                    <a:lstStyle/>
-                    <a:p>
-                      <a:pPr algn="ctr"/>
-                      <a:endParaRPr lang="zh-TW" altLang="en-US" sz="2000" baseline="0" dirty="0">
-                        <a:latin typeface="Times New Roman" panose="02020603050405020304" pitchFamily="18" charset="0"/>
-                        <a:ea typeface="微軟正黑體" panose="020B0604030504040204" pitchFamily="34" charset="-120"/>
-                        <a:cs typeface="Times New Roman" panose="02020603050405020304" pitchFamily="18" charset="0"/>
-                      </a:endParaRPr>
-                    </a:p>
-                  </a:txBody>
-                  <a:tcPr anchor="ctr"/>
-                </a:tc>
-                <a:tc>
-                  <a:txBody>
-                    <a:bodyPr/>
-                    <a:lstStyle/>
-                    <a:p>
-                      <a:pPr algn="ctr"/>
-                      <a:r>
-                        <a:rPr lang="en-US" altLang="zh-TW" sz="2000" baseline="0" dirty="0" err="1">
-                          <a:latin typeface="Times New Roman" panose="02020603050405020304" pitchFamily="18" charset="0"/>
-                          <a:ea typeface="微軟正黑體" panose="020B0604030504040204" pitchFamily="34" charset="-120"/>
-                          <a:cs typeface="Times New Roman" panose="02020603050405020304" pitchFamily="18" charset="0"/>
-                        </a:rPr>
-                        <a:t>check_frequency</a:t>
-                      </a:r>
-                      <a:r>
-                        <a:rPr lang="en-US" altLang="zh-TW" sz="2000" baseline="0" dirty="0">
-                          <a:latin typeface="Times New Roman" panose="02020603050405020304" pitchFamily="18" charset="0"/>
-                          <a:ea typeface="微軟正黑體" panose="020B0604030504040204" pitchFamily="34" charset="-120"/>
-                          <a:cs typeface="Times New Roman" panose="02020603050405020304" pitchFamily="18" charset="0"/>
-                        </a:rPr>
-                        <a:t>: int</a:t>
-                      </a:r>
-                      <a:r>
-                        <a:rPr lang="zh-TW" altLang="en-US" sz="2000" baseline="0" dirty="0">
-                          <a:latin typeface="Times New Roman" panose="02020603050405020304" pitchFamily="18" charset="0"/>
-                          <a:ea typeface="微軟正黑體" panose="020B0604030504040204" pitchFamily="34" charset="-120"/>
-                          <a:cs typeface="Times New Roman" panose="02020603050405020304" pitchFamily="18" charset="0"/>
-                        </a:rPr>
-                        <a:t> 測試模型的頻率</a:t>
-                      </a:r>
-                    </a:p>
-                  </a:txBody>
-                  <a:tcPr anchor="ctr"/>
-                </a:tc>
-                <a:extLst>
-                  <a:ext uri="{0D108BD9-81ED-4DB2-BD59-A6C34878D82A}">
-                    <a16:rowId xmlns:a16="http://schemas.microsoft.com/office/drawing/2014/main" val="3082694866"/>
-                  </a:ext>
-                </a:extLst>
-              </a:tr>
-              <a:tr h="478810">
-                <a:tc vMerge="1">
-                  <a:txBody>
-                    <a:bodyPr/>
-                    <a:lstStyle/>
-                    <a:p>
-                      <a:pPr algn="ctr"/>
-                      <a:endParaRPr lang="zh-TW" altLang="en-US" sz="2000" baseline="0" dirty="0">
-                        <a:latin typeface="Times New Roman" panose="02020603050405020304" pitchFamily="18" charset="0"/>
-                        <a:ea typeface="微軟正黑體" panose="020B0604030504040204" pitchFamily="34" charset="-120"/>
-                        <a:cs typeface="Times New Roman" panose="02020603050405020304" pitchFamily="18" charset="0"/>
-                      </a:endParaRPr>
-                    </a:p>
-                  </a:txBody>
-                  <a:tcPr anchor="ctr"/>
-                </a:tc>
-                <a:tc>
-                  <a:txBody>
-                    <a:bodyPr/>
-                    <a:lstStyle/>
-                    <a:p>
-                      <a:pPr algn="ctr"/>
-                      <a:r>
-                        <a:rPr lang="en-US" altLang="zh-TW" sz="2000" baseline="0" dirty="0" err="1">
-                          <a:latin typeface="Times New Roman" panose="02020603050405020304" pitchFamily="18" charset="0"/>
-                          <a:ea typeface="微軟正黑體" panose="020B0604030504040204" pitchFamily="34" charset="-120"/>
-                          <a:cs typeface="Times New Roman" panose="02020603050405020304" pitchFamily="18" charset="0"/>
-                        </a:rPr>
-                        <a:t>n_test_games</a:t>
-                      </a:r>
-                      <a:r>
-                        <a:rPr lang="en-US" altLang="zh-TW" sz="2000" baseline="0" dirty="0">
-                          <a:latin typeface="Times New Roman" panose="02020603050405020304" pitchFamily="18" charset="0"/>
-                          <a:ea typeface="微軟正黑體" panose="020B0604030504040204" pitchFamily="34" charset="-120"/>
-                          <a:cs typeface="Times New Roman" panose="02020603050405020304" pitchFamily="18" charset="0"/>
-                        </a:rPr>
-                        <a:t>: int</a:t>
-                      </a:r>
-                      <a:r>
-                        <a:rPr lang="zh-TW" altLang="en-US" sz="2000" baseline="0" dirty="0">
-                          <a:latin typeface="Times New Roman" panose="02020603050405020304" pitchFamily="18" charset="0"/>
-                          <a:ea typeface="微軟正黑體" panose="020B0604030504040204" pitchFamily="34" charset="-120"/>
-                          <a:cs typeface="Times New Roman" panose="02020603050405020304" pitchFamily="18" charset="0"/>
-                        </a:rPr>
-                        <a:t> 測試模型時與歷史最優模型的比賽局數</a:t>
-                      </a:r>
-                    </a:p>
-                  </a:txBody>
-                  <a:tcPr anchor="ctr"/>
-                </a:tc>
-                <a:extLst>
-                  <a:ext uri="{0D108BD9-81ED-4DB2-BD59-A6C34878D82A}">
-                    <a16:rowId xmlns:a16="http://schemas.microsoft.com/office/drawing/2014/main" val="3988644613"/>
-                  </a:ext>
-                </a:extLst>
-              </a:tr>
-              <a:tr h="478810">
-                <a:tc vMerge="1">
-                  <a:txBody>
-                    <a:bodyPr/>
-                    <a:lstStyle/>
-                    <a:p>
-                      <a:pPr algn="ctr"/>
-                      <a:endParaRPr lang="zh-TW" altLang="en-US" sz="2000" baseline="0" dirty="0">
-                        <a:latin typeface="Times New Roman" panose="02020603050405020304" pitchFamily="18" charset="0"/>
-                        <a:ea typeface="微軟正黑體" panose="020B0604030504040204" pitchFamily="34" charset="-120"/>
-                        <a:cs typeface="Times New Roman" panose="02020603050405020304" pitchFamily="18" charset="0"/>
-                      </a:endParaRPr>
-                    </a:p>
-                  </a:txBody>
-                  <a:tcPr anchor="ctr"/>
-                </a:tc>
-                <a:tc>
-                  <a:txBody>
-                    <a:bodyPr/>
-                    <a:lstStyle/>
-                    <a:p>
-                      <a:pPr algn="ctr"/>
-                      <a:r>
-                        <a:rPr lang="en-US" altLang="zh-TW" sz="2000" baseline="0" dirty="0" err="1">
-                          <a:latin typeface="Times New Roman" panose="02020603050405020304" pitchFamily="18" charset="0"/>
-                          <a:ea typeface="微軟正黑體" panose="020B0604030504040204" pitchFamily="34" charset="-120"/>
-                          <a:cs typeface="Times New Roman" panose="02020603050405020304" pitchFamily="18" charset="0"/>
-                        </a:rPr>
-                        <a:t>c_puct</a:t>
-                      </a:r>
-                      <a:r>
-                        <a:rPr lang="en-US" altLang="zh-TW" sz="2000" baseline="0" dirty="0">
-                          <a:latin typeface="Times New Roman" panose="02020603050405020304" pitchFamily="18" charset="0"/>
-                          <a:ea typeface="微軟正黑體" panose="020B0604030504040204" pitchFamily="34" charset="-120"/>
-                          <a:cs typeface="Times New Roman" panose="02020603050405020304" pitchFamily="18" charset="0"/>
-                        </a:rPr>
-                        <a:t>: float</a:t>
-                      </a:r>
-                      <a:r>
-                        <a:rPr lang="zh-TW" altLang="en-US" sz="2000" baseline="0" dirty="0">
-                          <a:latin typeface="Times New Roman" panose="02020603050405020304" pitchFamily="18" charset="0"/>
-                          <a:ea typeface="微軟正黑體" panose="020B0604030504040204" pitchFamily="34" charset="-120"/>
-                          <a:cs typeface="Times New Roman" panose="02020603050405020304" pitchFamily="18" charset="0"/>
-                        </a:rPr>
-                        <a:t> 探索常數</a:t>
-                      </a:r>
-                    </a:p>
-                  </a:txBody>
-                  <a:tcPr anchor="ctr"/>
-                </a:tc>
-                <a:extLst>
-                  <a:ext uri="{0D108BD9-81ED-4DB2-BD59-A6C34878D82A}">
-                    <a16:rowId xmlns:a16="http://schemas.microsoft.com/office/drawing/2014/main" val="1597069255"/>
-                  </a:ext>
-                </a:extLst>
-              </a:tr>
-              <a:tr h="478810">
-                <a:tc vMerge="1">
-                  <a:txBody>
-                    <a:bodyPr/>
-                    <a:lstStyle/>
-                    <a:p>
-                      <a:pPr algn="ctr"/>
-                      <a:endParaRPr lang="zh-TW" altLang="en-US" sz="2000" baseline="0" dirty="0">
-                        <a:latin typeface="Times New Roman" panose="02020603050405020304" pitchFamily="18" charset="0"/>
-                        <a:ea typeface="微軟正黑體" panose="020B0604030504040204" pitchFamily="34" charset="-120"/>
-                        <a:cs typeface="Times New Roman" panose="02020603050405020304" pitchFamily="18" charset="0"/>
-                      </a:endParaRPr>
-                    </a:p>
-                  </a:txBody>
-                  <a:tcPr anchor="ctr"/>
-                </a:tc>
-                <a:tc>
-                  <a:txBody>
-                    <a:bodyPr/>
-                    <a:lstStyle/>
-                    <a:p>
-                      <a:pPr algn="ctr"/>
-                      <a:r>
-                        <a:rPr lang="en-US" altLang="zh-TW" sz="2000" baseline="0" dirty="0" err="1">
-                          <a:latin typeface="Times New Roman" panose="02020603050405020304" pitchFamily="18" charset="0"/>
-                          <a:ea typeface="微軟正黑體" panose="020B0604030504040204" pitchFamily="34" charset="-120"/>
-                          <a:cs typeface="Times New Roman" panose="02020603050405020304" pitchFamily="18" charset="0"/>
-                        </a:rPr>
-                        <a:t>is_use_gpu</a:t>
-                      </a:r>
-                      <a:r>
-                        <a:rPr lang="en-US" altLang="zh-TW" sz="2000" baseline="0" dirty="0">
-                          <a:latin typeface="Times New Roman" panose="02020603050405020304" pitchFamily="18" charset="0"/>
-                          <a:ea typeface="微軟正黑體" panose="020B0604030504040204" pitchFamily="34" charset="-120"/>
-                          <a:cs typeface="Times New Roman" panose="02020603050405020304" pitchFamily="18" charset="0"/>
-                        </a:rPr>
-                        <a:t>: bool</a:t>
-                      </a:r>
-                      <a:r>
-                        <a:rPr lang="zh-TW" altLang="en-US" sz="2000" baseline="0" dirty="0">
-                          <a:latin typeface="Times New Roman" panose="02020603050405020304" pitchFamily="18" charset="0"/>
-                          <a:ea typeface="微軟正黑體" panose="020B0604030504040204" pitchFamily="34" charset="-120"/>
-                          <a:cs typeface="Times New Roman" panose="02020603050405020304" pitchFamily="18" charset="0"/>
-                        </a:rPr>
-                        <a:t> 是否使用 </a:t>
-                      </a:r>
-                      <a:r>
-                        <a:rPr lang="en-US" altLang="zh-TW" sz="2000" baseline="0" dirty="0">
-                          <a:latin typeface="Times New Roman" panose="02020603050405020304" pitchFamily="18" charset="0"/>
-                          <a:ea typeface="微軟正黑體" panose="020B0604030504040204" pitchFamily="34" charset="-120"/>
-                          <a:cs typeface="Times New Roman" panose="02020603050405020304" pitchFamily="18" charset="0"/>
-                        </a:rPr>
-                        <a:t>GPU</a:t>
-                      </a:r>
-                    </a:p>
-                  </a:txBody>
-                  <a:tcPr anchor="ctr"/>
-                </a:tc>
-                <a:extLst>
-                  <a:ext uri="{0D108BD9-81ED-4DB2-BD59-A6C34878D82A}">
-                    <a16:rowId xmlns:a16="http://schemas.microsoft.com/office/drawing/2014/main" val="739324213"/>
-                  </a:ext>
-                </a:extLst>
-              </a:tr>
-              <a:tr h="478810">
-                <a:tc vMerge="1">
-                  <a:txBody>
-                    <a:bodyPr/>
-                    <a:lstStyle/>
-                    <a:p>
-                      <a:pPr algn="ctr"/>
-                      <a:endParaRPr lang="zh-TW" altLang="en-US" sz="2000" baseline="0" dirty="0">
-                        <a:latin typeface="Times New Roman" panose="02020603050405020304" pitchFamily="18" charset="0"/>
-                        <a:ea typeface="微軟正黑體" panose="020B0604030504040204" pitchFamily="34" charset="-120"/>
-                        <a:cs typeface="Times New Roman" panose="02020603050405020304" pitchFamily="18" charset="0"/>
-                      </a:endParaRPr>
-                    </a:p>
-                  </a:txBody>
-                  <a:tcPr anchor="ctr"/>
-                </a:tc>
-                <a:tc>
-                  <a:txBody>
-                    <a:bodyPr/>
-                    <a:lstStyle/>
-                    <a:p>
-                      <a:pPr algn="ctr"/>
-                      <a:r>
-                        <a:rPr lang="en-US" altLang="zh-TW" sz="2000" baseline="0" dirty="0" err="1">
-                          <a:latin typeface="Times New Roman" panose="02020603050405020304" pitchFamily="18" charset="0"/>
-                          <a:ea typeface="微軟正黑體" panose="020B0604030504040204" pitchFamily="34" charset="-120"/>
-                          <a:cs typeface="Times New Roman" panose="02020603050405020304" pitchFamily="18" charset="0"/>
-                        </a:rPr>
-                        <a:t>is_save_game</a:t>
-                      </a:r>
-                      <a:r>
-                        <a:rPr lang="en-US" altLang="zh-TW" sz="2000" baseline="0" dirty="0">
-                          <a:latin typeface="Times New Roman" panose="02020603050405020304" pitchFamily="18" charset="0"/>
-                          <a:ea typeface="微軟正黑體" panose="020B0604030504040204" pitchFamily="34" charset="-120"/>
-                          <a:cs typeface="Times New Roman" panose="02020603050405020304" pitchFamily="18" charset="0"/>
-                        </a:rPr>
-                        <a:t>: bool </a:t>
-                      </a:r>
-                      <a:r>
-                        <a:rPr lang="zh-TW" altLang="en-US" sz="2000" baseline="0" dirty="0">
-                          <a:latin typeface="Times New Roman" panose="02020603050405020304" pitchFamily="18" charset="0"/>
-                          <a:ea typeface="微軟正黑體" panose="020B0604030504040204" pitchFamily="34" charset="-120"/>
-                          <a:cs typeface="Times New Roman" panose="02020603050405020304" pitchFamily="18" charset="0"/>
-                        </a:rPr>
-                        <a:t>是否保存自對弈的棋譜 </a:t>
-                      </a:r>
-                    </a:p>
-                  </a:txBody>
-                  <a:tcPr anchor="ctr"/>
-                </a:tc>
-                <a:extLst>
-                  <a:ext uri="{0D108BD9-81ED-4DB2-BD59-A6C34878D82A}">
-                    <a16:rowId xmlns:a16="http://schemas.microsoft.com/office/drawing/2014/main" val="3451419224"/>
-                  </a:ext>
-                </a:extLst>
-              </a:tr>
-            </a:tbl>
-          </a:graphicData>
-        </a:graphic>
-      </p:graphicFrame>
-    </p:spTree>
-    <p:extLst>
-      <p:ext uri="{BB962C8B-B14F-4D97-AF65-F5344CB8AC3E}">
-        <p14:creationId xmlns:p14="http://schemas.microsoft.com/office/powerpoint/2010/main" val="1784926364"/>
-      </p:ext>
-    </p:extLst>
-  </p:cSld>
-  <p:clrMapOvr>
-    <a:masterClrMapping/>
-  </p:clrMapOvr>
-</p:sld>
-</file>
-
-<file path=ppt/slides/slide12.xml><?xml version="1.0" encoding="utf-8"?>
-<p:sld xmlns:a="http://schemas.openxmlformats.org/drawingml/2006/main" xmlns:r="http://schemas.openxmlformats.org/officeDocument/2006/relationships" xmlns:p="http://schemas.openxmlformats.org/presentationml/2006/main">
-  <p:cSld>
-    <p:bg>
-      <p:bgPr>
-        <a:blipFill>
-          <a:blip r:embed="rId2"/>
-          <a:tile tx="0" ty="0" sx="100000" sy="100000" flip="none" algn="tl"/>
-        </a:blipFill>
-        <a:effectLst/>
-      </p:bgPr>
-    </p:bg>
-    <p:spTree>
-      <p:nvGrpSpPr>
-        <p:cNvPr id="1" name=""/>
-        <p:cNvGrpSpPr/>
-        <p:nvPr/>
-      </p:nvGrpSpPr>
-      <p:grpSpPr>
-        <a:xfrm>
-          <a:off x="0" y="0"/>
-          <a:ext cx="0" cy="0"/>
-          <a:chOff x="0" y="0"/>
-          <a:chExt cx="0" cy="0"/>
-        </a:xfrm>
-      </p:grpSpPr>
       <p:sp>
         <p:nvSpPr>
           <p:cNvPr id="2" name="標題 1"/>
@@ -14052,7 +12654,1133 @@
 </p:sld>
 </file>
 
-<file path=ppt/slides/slide13.xml><?xml version="1.0" encoding="utf-8"?>
+<file path=ppt/slides/slide11.xml><?xml version="1.0" encoding="utf-8"?>
+<p:sld xmlns:a="http://schemas.openxmlformats.org/drawingml/2006/main" xmlns:r="http://schemas.openxmlformats.org/officeDocument/2006/relationships" xmlns:p="http://schemas.openxmlformats.org/presentationml/2006/main">
+  <p:cSld>
+    <p:bg>
+      <p:bgPr>
+        <a:blipFill>
+          <a:blip r:embed="rId2"/>
+          <a:tile tx="0" ty="0" sx="100000" sy="100000" flip="none" algn="tl"/>
+        </a:blipFill>
+        <a:effectLst/>
+      </p:bgPr>
+    </p:bg>
+    <p:spTree>
+      <p:nvGrpSpPr>
+        <p:cNvPr id="1" name=""/>
+        <p:cNvGrpSpPr/>
+        <p:nvPr/>
+      </p:nvGrpSpPr>
+      <p:grpSpPr>
+        <a:xfrm>
+          <a:off x="0" y="0"/>
+          <a:ext cx="0" cy="0"/>
+          <a:chOff x="0" y="0"/>
+          <a:chExt cx="0" cy="0"/>
+        </a:xfrm>
+      </p:grpSpPr>
+      <p:sp>
+        <p:nvSpPr>
+          <p:cNvPr id="2" name="標題 1"/>
+          <p:cNvSpPr>
+            <a:spLocks noGrp="1"/>
+          </p:cNvSpPr>
+          <p:nvPr>
+            <p:ph type="title"/>
+          </p:nvPr>
+        </p:nvSpPr>
+        <p:spPr>
+          <a:xfrm>
+            <a:off x="0" y="1618861"/>
+            <a:ext cx="1604865" cy="3620278"/>
+          </a:xfrm>
+        </p:spPr>
+        <p:txBody>
+          <a:bodyPr vert="eaVert" anchor="ctr">
+            <a:normAutofit/>
+          </a:bodyPr>
+          <a:lstStyle/>
+          <a:p>
+            <a:pPr algn="ctr"/>
+            <a:r>
+              <a:rPr lang="zh-TW" altLang="en-US" sz="3600" dirty="0">
+                <a:latin typeface="Times New Roman" panose="02020603050405020304" pitchFamily="18" charset="0"/>
+                <a:ea typeface="標楷體" panose="03000509000000000000" pitchFamily="65" charset="-120"/>
+              </a:rPr>
+              <a:t>設計</a:t>
+            </a:r>
+            <a:br>
+              <a:rPr lang="en-US" altLang="zh-TW" sz="3600" dirty="0">
+                <a:latin typeface="Times New Roman" panose="02020603050405020304" pitchFamily="18" charset="0"/>
+                <a:ea typeface="標楷體" panose="03000509000000000000" pitchFamily="65" charset="-120"/>
+              </a:rPr>
+            </a:br>
+            <a:r>
+              <a:rPr lang="en-US" altLang="zh-TW" sz="3600" dirty="0">
+                <a:latin typeface="Times New Roman" panose="02020603050405020304" pitchFamily="18" charset="0"/>
+                <a:ea typeface="標楷體" panose="03000509000000000000" pitchFamily="65" charset="-120"/>
+              </a:rPr>
+              <a:t>Design-API </a:t>
+            </a:r>
+            <a:endParaRPr lang="zh-TW" altLang="en-US" sz="3600" dirty="0">
+              <a:latin typeface="Times New Roman" panose="02020603050405020304" pitchFamily="18" charset="0"/>
+              <a:ea typeface="標楷體" panose="03000509000000000000" pitchFamily="65" charset="-120"/>
+            </a:endParaRPr>
+          </a:p>
+        </p:txBody>
+      </p:sp>
+      <p:graphicFrame>
+        <p:nvGraphicFramePr>
+          <p:cNvPr id="5" name="表格 6">
+            <a:extLst>
+              <a:ext uri="{FF2B5EF4-FFF2-40B4-BE49-F238E27FC236}">
+                <a16:creationId xmlns:a16="http://schemas.microsoft.com/office/drawing/2014/main" id="{F4B6CF8F-F691-4BAB-A880-298345C7EBF8}"/>
+              </a:ext>
+            </a:extLst>
+          </p:cNvPr>
+          <p:cNvGraphicFramePr>
+            <a:graphicFrameLocks noGrp="1"/>
+          </p:cNvGraphicFramePr>
+          <p:nvPr>
+            <p:extLst>
+              <p:ext uri="{D42A27DB-BD31-4B8C-83A1-F6EECF244321}">
+                <p14:modId xmlns:p14="http://schemas.microsoft.com/office/powerpoint/2010/main" val="514641686"/>
+              </p:ext>
+            </p:extLst>
+          </p:nvPr>
+        </p:nvGraphicFramePr>
+        <p:xfrm>
+          <a:off x="2023188" y="358020"/>
+          <a:ext cx="9910665" cy="6141960"/>
+        </p:xfrm>
+        <a:graphic>
+          <a:graphicData uri="http://schemas.openxmlformats.org/drawingml/2006/table">
+            <a:tbl>
+              <a:tblPr firstRow="1" bandRow="1">
+                <a:tableStyleId>{073A0DAA-6AF3-43AB-8588-CEC1D06C72B9}</a:tableStyleId>
+              </a:tblPr>
+              <a:tblGrid>
+                <a:gridCol w="2604796">
+                  <a:extLst>
+                    <a:ext uri="{9D8B030D-6E8A-4147-A177-3AD203B41FA5}">
+                      <a16:colId xmlns:a16="http://schemas.microsoft.com/office/drawing/2014/main" val="224048993"/>
+                    </a:ext>
+                  </a:extLst>
+                </a:gridCol>
+                <a:gridCol w="7305869">
+                  <a:extLst>
+                    <a:ext uri="{9D8B030D-6E8A-4147-A177-3AD203B41FA5}">
+                      <a16:colId xmlns:a16="http://schemas.microsoft.com/office/drawing/2014/main" val="1402622497"/>
+                    </a:ext>
+                  </a:extLst>
+                </a:gridCol>
+              </a:tblGrid>
+              <a:tr h="274319">
+                <a:tc gridSpan="2">
+                  <a:txBody>
+                    <a:bodyPr/>
+                    <a:lstStyle/>
+                    <a:p>
+                      <a:pPr marL="0" marR="0" lvl="0" indent="0" algn="ctr" defTabSz="914400" rtl="0" eaLnBrk="1" fontAlgn="auto" latinLnBrk="0" hangingPunct="1">
+                        <a:lnSpc>
+                          <a:spcPct val="100000"/>
+                        </a:lnSpc>
+                        <a:spcBef>
+                          <a:spcPts val="0"/>
+                        </a:spcBef>
+                        <a:spcAft>
+                          <a:spcPts val="0"/>
+                        </a:spcAft>
+                        <a:buClrTx/>
+                        <a:buSzTx/>
+                        <a:buFontTx/>
+                        <a:buNone/>
+                        <a:tabLst/>
+                        <a:defRPr/>
+                      </a:pPr>
+                      <a:r>
+                        <a:rPr lang="en-US" altLang="zh-TW" sz="2000" baseline="0" dirty="0">
+                          <a:latin typeface="Times New Roman" panose="02020603050405020304" pitchFamily="18" charset="0"/>
+                          <a:ea typeface="微軟正黑體" panose="020B0604030504040204" pitchFamily="34" charset="-120"/>
+                        </a:rPr>
+                        <a:t>RL</a:t>
+                      </a:r>
+                    </a:p>
+                  </a:txBody>
+                  <a:tcPr anchor="ctr"/>
+                </a:tc>
+                <a:tc hMerge="1">
+                  <a:txBody>
+                    <a:bodyPr/>
+                    <a:lstStyle/>
+                    <a:p>
+                      <a:pPr marL="0" marR="0" lvl="0" indent="0" algn="ctr" defTabSz="914400" rtl="0" eaLnBrk="1" fontAlgn="auto" latinLnBrk="0" hangingPunct="1">
+                        <a:lnSpc>
+                          <a:spcPct val="100000"/>
+                        </a:lnSpc>
+                        <a:spcBef>
+                          <a:spcPts val="0"/>
+                        </a:spcBef>
+                        <a:spcAft>
+                          <a:spcPts val="0"/>
+                        </a:spcAft>
+                        <a:buClrTx/>
+                        <a:buSzTx/>
+                        <a:buFontTx/>
+                        <a:buNone/>
+                        <a:tabLst/>
+                        <a:defRPr/>
+                      </a:pPr>
+                      <a:endParaRPr lang="zh-TW" altLang="en-US" sz="2000" baseline="0" dirty="0">
+                        <a:latin typeface="Times New Roman" panose="02020603050405020304" pitchFamily="18" charset="0"/>
+                        <a:ea typeface="標楷體" panose="03000509000000000000" pitchFamily="65" charset="-120"/>
+                      </a:endParaRPr>
+                    </a:p>
+                  </a:txBody>
+                  <a:tcPr anchor="ctr"/>
+                </a:tc>
+                <a:extLst>
+                  <a:ext uri="{0D108BD9-81ED-4DB2-BD59-A6C34878D82A}">
+                    <a16:rowId xmlns:a16="http://schemas.microsoft.com/office/drawing/2014/main" val="353664780"/>
+                  </a:ext>
+                </a:extLst>
+              </a:tr>
+              <a:tr h="478810">
+                <a:tc rowSpan="12">
+                  <a:txBody>
+                    <a:bodyPr/>
+                    <a:lstStyle/>
+                    <a:p>
+                      <a:pPr marL="0" marR="0" lvl="0" indent="0" algn="ctr" defTabSz="914400" rtl="0" eaLnBrk="1" fontAlgn="auto" latinLnBrk="0" hangingPunct="1">
+                        <a:lnSpc>
+                          <a:spcPct val="100000"/>
+                        </a:lnSpc>
+                        <a:spcBef>
+                          <a:spcPts val="0"/>
+                        </a:spcBef>
+                        <a:spcAft>
+                          <a:spcPts val="0"/>
+                        </a:spcAft>
+                        <a:buClrTx/>
+                        <a:buSzTx/>
+                        <a:buFontTx/>
+                        <a:buNone/>
+                        <a:tabLst/>
+                        <a:defRPr/>
+                      </a:pPr>
+                      <a:r>
+                        <a:rPr lang="en-US" altLang="zh-TW" sz="2000" b="0" kern="1200" baseline="0" dirty="0" err="1">
+                          <a:solidFill>
+                            <a:schemeClr val="dk1"/>
+                          </a:solidFill>
+                          <a:effectLst/>
+                          <a:latin typeface="Times New Roman" panose="02020603050405020304" pitchFamily="18" charset="0"/>
+                          <a:ea typeface="微軟正黑體" panose="020B0604030504040204" pitchFamily="34" charset="-120"/>
+                          <a:cs typeface="Times New Roman" panose="02020603050405020304" pitchFamily="18" charset="0"/>
+                        </a:rPr>
+                        <a:t>TrainModel</a:t>
+                      </a:r>
+                      <a:r>
+                        <a:rPr lang="zh-TW" altLang="en-US" sz="2000" b="0" kern="1200" baseline="0" dirty="0">
+                          <a:solidFill>
+                            <a:schemeClr val="dk1"/>
+                          </a:solidFill>
+                          <a:effectLst/>
+                          <a:latin typeface="Times New Roman" panose="02020603050405020304" pitchFamily="18" charset="0"/>
+                          <a:ea typeface="微軟正黑體" panose="020B0604030504040204" pitchFamily="34" charset="-120"/>
+                          <a:cs typeface="Times New Roman" panose="02020603050405020304" pitchFamily="18" charset="0"/>
+                        </a:rPr>
+                        <a:t> </a:t>
+                      </a:r>
+                      <a:endParaRPr lang="en-US" altLang="zh-TW" sz="2000" b="0" kern="1200" baseline="0" dirty="0">
+                        <a:solidFill>
+                          <a:schemeClr val="dk1"/>
+                        </a:solidFill>
+                        <a:effectLst/>
+                        <a:latin typeface="Times New Roman" panose="02020603050405020304" pitchFamily="18" charset="0"/>
+                        <a:ea typeface="微軟正黑體" panose="020B0604030504040204" pitchFamily="34" charset="-120"/>
+                        <a:cs typeface="Times New Roman" panose="02020603050405020304" pitchFamily="18" charset="0"/>
+                      </a:endParaRPr>
+                    </a:p>
+                    <a:p>
+                      <a:pPr marL="0" marR="0" lvl="0" indent="0" algn="ctr" defTabSz="914400" rtl="0" eaLnBrk="1" fontAlgn="auto" latinLnBrk="0" hangingPunct="1">
+                        <a:lnSpc>
+                          <a:spcPct val="100000"/>
+                        </a:lnSpc>
+                        <a:spcBef>
+                          <a:spcPts val="0"/>
+                        </a:spcBef>
+                        <a:spcAft>
+                          <a:spcPts val="0"/>
+                        </a:spcAft>
+                        <a:buClrTx/>
+                        <a:buSzTx/>
+                        <a:buFontTx/>
+                        <a:buNone/>
+                        <a:tabLst/>
+                        <a:defRPr/>
+                      </a:pPr>
+                      <a:r>
+                        <a:rPr lang="zh-TW" altLang="en-US" sz="2000" b="0" kern="1200" baseline="0" dirty="0">
+                          <a:solidFill>
+                            <a:schemeClr val="dk1"/>
+                          </a:solidFill>
+                          <a:effectLst/>
+                          <a:latin typeface="Times New Roman" panose="02020603050405020304" pitchFamily="18" charset="0"/>
+                          <a:ea typeface="微軟正黑體" panose="020B0604030504040204" pitchFamily="34" charset="-120"/>
+                          <a:cs typeface="Times New Roman" panose="02020603050405020304" pitchFamily="18" charset="0"/>
+                        </a:rPr>
+                        <a:t>訓練模型</a:t>
+                      </a:r>
+                      <a:endParaRPr lang="en-US" altLang="zh-TW" sz="2000" b="0" kern="1200" baseline="0" dirty="0">
+                        <a:solidFill>
+                          <a:schemeClr val="dk1"/>
+                        </a:solidFill>
+                        <a:effectLst/>
+                        <a:latin typeface="Times New Roman" panose="02020603050405020304" pitchFamily="18" charset="0"/>
+                        <a:ea typeface="微軟正黑體" panose="020B0604030504040204" pitchFamily="34" charset="-120"/>
+                        <a:cs typeface="Times New Roman" panose="02020603050405020304" pitchFamily="18" charset="0"/>
+                      </a:endParaRPr>
+                    </a:p>
+                    <a:p>
+                      <a:pPr marL="0" marR="0" lvl="0" indent="0" algn="ctr" defTabSz="914400" rtl="0" eaLnBrk="1" fontAlgn="auto" latinLnBrk="0" hangingPunct="1">
+                        <a:lnSpc>
+                          <a:spcPct val="100000"/>
+                        </a:lnSpc>
+                        <a:spcBef>
+                          <a:spcPts val="0"/>
+                        </a:spcBef>
+                        <a:spcAft>
+                          <a:spcPts val="0"/>
+                        </a:spcAft>
+                        <a:buClrTx/>
+                        <a:buSzTx/>
+                        <a:buFontTx/>
+                        <a:buNone/>
+                        <a:tabLst/>
+                        <a:defRPr/>
+                      </a:pPr>
+                      <a:r>
+                        <a:rPr lang="zh-TW" altLang="en-US" sz="2000" b="0" kern="1200" baseline="0" dirty="0">
+                          <a:solidFill>
+                            <a:schemeClr val="dk1"/>
+                          </a:solidFill>
+                          <a:effectLst/>
+                          <a:latin typeface="Times New Roman" panose="02020603050405020304" pitchFamily="18" charset="0"/>
+                          <a:ea typeface="微軟正黑體" panose="020B0604030504040204" pitchFamily="34" charset="-120"/>
+                          <a:cs typeface="Times New Roman" panose="02020603050405020304" pitchFamily="18" charset="0"/>
+                        </a:rPr>
+                        <a:t>可調整參數  </a:t>
+                      </a:r>
+                      <a:endParaRPr lang="en-US" altLang="zh-TW" sz="2000" b="0" kern="1200" baseline="0" dirty="0">
+                        <a:solidFill>
+                          <a:schemeClr val="dk1"/>
+                        </a:solidFill>
+                        <a:effectLst/>
+                        <a:latin typeface="Times New Roman" panose="02020603050405020304" pitchFamily="18" charset="0"/>
+                        <a:ea typeface="微軟正黑體" panose="020B0604030504040204" pitchFamily="34" charset="-120"/>
+                        <a:cs typeface="Times New Roman" panose="02020603050405020304" pitchFamily="18" charset="0"/>
+                      </a:endParaRPr>
+                    </a:p>
+                  </a:txBody>
+                  <a:tcPr anchor="ctr"/>
+                </a:tc>
+                <a:tc>
+                  <a:txBody>
+                    <a:bodyPr/>
+                    <a:lstStyle/>
+                    <a:p>
+                      <a:pPr marL="0" marR="0" lvl="0" indent="0" algn="ctr" defTabSz="914400" rtl="0" eaLnBrk="1" fontAlgn="auto" latinLnBrk="0" hangingPunct="1">
+                        <a:lnSpc>
+                          <a:spcPct val="100000"/>
+                        </a:lnSpc>
+                        <a:spcBef>
+                          <a:spcPts val="0"/>
+                        </a:spcBef>
+                        <a:spcAft>
+                          <a:spcPts val="0"/>
+                        </a:spcAft>
+                        <a:buClrTx/>
+                        <a:buSzTx/>
+                        <a:buFontTx/>
+                        <a:buNone/>
+                        <a:tabLst/>
+                        <a:defRPr/>
+                      </a:pPr>
+                      <a:r>
+                        <a:rPr lang="en-US" altLang="zh-TW" sz="2000" b="0" kern="1200" baseline="0" dirty="0" err="1">
+                          <a:solidFill>
+                            <a:schemeClr val="dk1"/>
+                          </a:solidFill>
+                          <a:effectLst/>
+                          <a:latin typeface="Times New Roman" panose="02020603050405020304" pitchFamily="18" charset="0"/>
+                          <a:ea typeface="微軟正黑體" panose="020B0604030504040204" pitchFamily="34" charset="-120"/>
+                          <a:cs typeface="Times New Roman" panose="02020603050405020304" pitchFamily="18" charset="0"/>
+                        </a:rPr>
+                        <a:t>board_len</a:t>
+                      </a:r>
+                      <a:r>
+                        <a:rPr lang="en-US" altLang="zh-TW" sz="2000" b="0" kern="1200" baseline="0" dirty="0">
+                          <a:solidFill>
+                            <a:schemeClr val="dk1"/>
+                          </a:solidFill>
+                          <a:effectLst/>
+                          <a:latin typeface="Times New Roman" panose="02020603050405020304" pitchFamily="18" charset="0"/>
+                          <a:ea typeface="微軟正黑體" panose="020B0604030504040204" pitchFamily="34" charset="-120"/>
+                          <a:cs typeface="Times New Roman" panose="02020603050405020304" pitchFamily="18" charset="0"/>
+                        </a:rPr>
+                        <a:t>: int</a:t>
+                      </a:r>
+                      <a:r>
+                        <a:rPr lang="zh-TW" altLang="en-US" sz="2000" b="0" kern="1200" baseline="0" dirty="0">
+                          <a:solidFill>
+                            <a:schemeClr val="dk1"/>
+                          </a:solidFill>
+                          <a:effectLst/>
+                          <a:latin typeface="Times New Roman" panose="02020603050405020304" pitchFamily="18" charset="0"/>
+                          <a:ea typeface="微軟正黑體" panose="020B0604030504040204" pitchFamily="34" charset="-120"/>
+                          <a:cs typeface="Times New Roman" panose="02020603050405020304" pitchFamily="18" charset="0"/>
+                        </a:rPr>
+                        <a:t> 棋盤大小</a:t>
+                      </a:r>
+                    </a:p>
+                  </a:txBody>
+                  <a:tcPr anchor="ctr"/>
+                </a:tc>
+                <a:extLst>
+                  <a:ext uri="{0D108BD9-81ED-4DB2-BD59-A6C34878D82A}">
+                    <a16:rowId xmlns:a16="http://schemas.microsoft.com/office/drawing/2014/main" val="1015971959"/>
+                  </a:ext>
+                </a:extLst>
+              </a:tr>
+              <a:tr h="478810">
+                <a:tc vMerge="1">
+                  <a:txBody>
+                    <a:bodyPr/>
+                    <a:lstStyle/>
+                    <a:p>
+                      <a:pPr algn="ctr"/>
+                      <a:endParaRPr lang="zh-TW" altLang="en-US" sz="2000" baseline="0" dirty="0">
+                        <a:latin typeface="Times New Roman" panose="02020603050405020304" pitchFamily="18" charset="0"/>
+                        <a:ea typeface="微軟正黑體" panose="020B0604030504040204" pitchFamily="34" charset="-120"/>
+                        <a:cs typeface="Times New Roman" panose="02020603050405020304" pitchFamily="18" charset="0"/>
+                      </a:endParaRPr>
+                    </a:p>
+                  </a:txBody>
+                  <a:tcPr anchor="ctr"/>
+                </a:tc>
+                <a:tc>
+                  <a:txBody>
+                    <a:bodyPr/>
+                    <a:lstStyle/>
+                    <a:p>
+                      <a:pPr algn="ctr"/>
+                      <a:r>
+                        <a:rPr lang="en-US" altLang="zh-TW" sz="2000" baseline="0" dirty="0" err="1">
+                          <a:latin typeface="Times New Roman" panose="02020603050405020304" pitchFamily="18" charset="0"/>
+                          <a:ea typeface="微軟正黑體" panose="020B0604030504040204" pitchFamily="34" charset="-120"/>
+                          <a:cs typeface="Times New Roman" panose="02020603050405020304" pitchFamily="18" charset="0"/>
+                        </a:rPr>
+                        <a:t>lr</a:t>
+                      </a:r>
+                      <a:r>
+                        <a:rPr lang="en-US" altLang="zh-TW" sz="2000" baseline="0" dirty="0">
+                          <a:latin typeface="Times New Roman" panose="02020603050405020304" pitchFamily="18" charset="0"/>
+                          <a:ea typeface="微軟正黑體" panose="020B0604030504040204" pitchFamily="34" charset="-120"/>
+                          <a:cs typeface="Times New Roman" panose="02020603050405020304" pitchFamily="18" charset="0"/>
+                        </a:rPr>
+                        <a:t>: float</a:t>
+                      </a:r>
+                      <a:r>
+                        <a:rPr lang="zh-TW" altLang="en-US" sz="2000" baseline="0" dirty="0">
+                          <a:latin typeface="Times New Roman" panose="02020603050405020304" pitchFamily="18" charset="0"/>
+                          <a:ea typeface="微軟正黑體" panose="020B0604030504040204" pitchFamily="34" charset="-120"/>
+                          <a:cs typeface="Times New Roman" panose="02020603050405020304" pitchFamily="18" charset="0"/>
+                        </a:rPr>
+                        <a:t> 學習率</a:t>
+                      </a:r>
+                    </a:p>
+                  </a:txBody>
+                  <a:tcPr anchor="ctr"/>
+                </a:tc>
+                <a:extLst>
+                  <a:ext uri="{0D108BD9-81ED-4DB2-BD59-A6C34878D82A}">
+                    <a16:rowId xmlns:a16="http://schemas.microsoft.com/office/drawing/2014/main" val="1155504496"/>
+                  </a:ext>
+                </a:extLst>
+              </a:tr>
+              <a:tr h="478810">
+                <a:tc vMerge="1">
+                  <a:txBody>
+                    <a:bodyPr/>
+                    <a:lstStyle/>
+                    <a:p>
+                      <a:pPr marL="0" marR="0" lvl="0" indent="0" algn="ctr" defTabSz="914400" rtl="0" eaLnBrk="1" fontAlgn="auto" latinLnBrk="0" hangingPunct="1">
+                        <a:lnSpc>
+                          <a:spcPct val="100000"/>
+                        </a:lnSpc>
+                        <a:spcBef>
+                          <a:spcPts val="0"/>
+                        </a:spcBef>
+                        <a:spcAft>
+                          <a:spcPts val="0"/>
+                        </a:spcAft>
+                        <a:buClrTx/>
+                        <a:buSzTx/>
+                        <a:buFontTx/>
+                        <a:buNone/>
+                        <a:tabLst/>
+                        <a:defRPr/>
+                      </a:pPr>
+                      <a:endParaRPr lang="en-US" altLang="zh-TW" sz="2000" b="0" kern="1200" baseline="0" dirty="0">
+                        <a:solidFill>
+                          <a:schemeClr val="dk1"/>
+                        </a:solidFill>
+                        <a:effectLst/>
+                        <a:latin typeface="Times New Roman" panose="02020603050405020304" pitchFamily="18" charset="0"/>
+                        <a:ea typeface="微軟正黑體" panose="020B0604030504040204" pitchFamily="34" charset="-120"/>
+                        <a:cs typeface="Times New Roman" panose="02020603050405020304" pitchFamily="18" charset="0"/>
+                      </a:endParaRPr>
+                    </a:p>
+                  </a:txBody>
+                  <a:tcPr anchor="ctr"/>
+                </a:tc>
+                <a:tc>
+                  <a:txBody>
+                    <a:bodyPr/>
+                    <a:lstStyle/>
+                    <a:p>
+                      <a:pPr marL="0" marR="0" lvl="0" indent="0" algn="ctr" defTabSz="914400" rtl="0" eaLnBrk="1" fontAlgn="auto" latinLnBrk="0" hangingPunct="1">
+                        <a:lnSpc>
+                          <a:spcPct val="100000"/>
+                        </a:lnSpc>
+                        <a:spcBef>
+                          <a:spcPts val="0"/>
+                        </a:spcBef>
+                        <a:spcAft>
+                          <a:spcPts val="0"/>
+                        </a:spcAft>
+                        <a:buClrTx/>
+                        <a:buSzTx/>
+                        <a:buFontTx/>
+                        <a:buNone/>
+                        <a:tabLst/>
+                        <a:defRPr/>
+                      </a:pPr>
+                      <a:r>
+                        <a:rPr lang="en-US" altLang="zh-TW" sz="2000" b="0" kern="1200" baseline="0" dirty="0">
+                          <a:solidFill>
+                            <a:schemeClr val="dk1"/>
+                          </a:solidFill>
+                          <a:effectLst/>
+                          <a:latin typeface="Times New Roman" panose="02020603050405020304" pitchFamily="18" charset="0"/>
+                          <a:ea typeface="微軟正黑體" panose="020B0604030504040204" pitchFamily="34" charset="-120"/>
+                          <a:cs typeface="Times New Roman" panose="02020603050405020304" pitchFamily="18" charset="0"/>
+                        </a:rPr>
+                        <a:t> </a:t>
+                      </a:r>
+                      <a:r>
+                        <a:rPr lang="en-US" altLang="zh-TW" sz="2000" b="0" kern="1200" baseline="0" dirty="0" err="1">
+                          <a:solidFill>
+                            <a:schemeClr val="dk1"/>
+                          </a:solidFill>
+                          <a:effectLst/>
+                          <a:latin typeface="Times New Roman" panose="02020603050405020304" pitchFamily="18" charset="0"/>
+                          <a:ea typeface="微軟正黑體" panose="020B0604030504040204" pitchFamily="34" charset="-120"/>
+                          <a:cs typeface="Times New Roman" panose="02020603050405020304" pitchFamily="18" charset="0"/>
+                        </a:rPr>
+                        <a:t>n_self_plays</a:t>
+                      </a:r>
+                      <a:r>
+                        <a:rPr lang="en-US" altLang="zh-TW" sz="2000" b="0" kern="1200" baseline="0" dirty="0">
+                          <a:solidFill>
+                            <a:schemeClr val="dk1"/>
+                          </a:solidFill>
+                          <a:effectLst/>
+                          <a:latin typeface="Times New Roman" panose="02020603050405020304" pitchFamily="18" charset="0"/>
+                          <a:ea typeface="微軟正黑體" panose="020B0604030504040204" pitchFamily="34" charset="-120"/>
+                          <a:cs typeface="Times New Roman" panose="02020603050405020304" pitchFamily="18" charset="0"/>
+                        </a:rPr>
+                        <a:t>: int</a:t>
+                      </a:r>
+                      <a:r>
+                        <a:rPr lang="zh-TW" altLang="en-US" sz="2000" b="0" kern="1200" baseline="0" dirty="0">
+                          <a:solidFill>
+                            <a:schemeClr val="dk1"/>
+                          </a:solidFill>
+                          <a:effectLst/>
+                          <a:latin typeface="Times New Roman" panose="02020603050405020304" pitchFamily="18" charset="0"/>
+                          <a:ea typeface="微軟正黑體" panose="020B0604030504040204" pitchFamily="34" charset="-120"/>
+                          <a:cs typeface="Times New Roman" panose="02020603050405020304" pitchFamily="18" charset="0"/>
+                        </a:rPr>
+                        <a:t> 自我博弈遊戲局數</a:t>
+                      </a:r>
+                      <a:endParaRPr lang="en-US" altLang="zh-TW" sz="2000" b="0" kern="1200" baseline="0" dirty="0">
+                        <a:solidFill>
+                          <a:schemeClr val="dk1"/>
+                        </a:solidFill>
+                        <a:effectLst/>
+                        <a:latin typeface="Times New Roman" panose="02020603050405020304" pitchFamily="18" charset="0"/>
+                        <a:ea typeface="微軟正黑體" panose="020B0604030504040204" pitchFamily="34" charset="-120"/>
+                        <a:cs typeface="Times New Roman" panose="02020603050405020304" pitchFamily="18" charset="0"/>
+                      </a:endParaRPr>
+                    </a:p>
+                  </a:txBody>
+                  <a:tcPr anchor="ctr"/>
+                </a:tc>
+                <a:extLst>
+                  <a:ext uri="{0D108BD9-81ED-4DB2-BD59-A6C34878D82A}">
+                    <a16:rowId xmlns:a16="http://schemas.microsoft.com/office/drawing/2014/main" val="2610890442"/>
+                  </a:ext>
+                </a:extLst>
+              </a:tr>
+              <a:tr h="478810">
+                <a:tc vMerge="1">
+                  <a:txBody>
+                    <a:bodyPr/>
+                    <a:lstStyle/>
+                    <a:p>
+                      <a:pPr algn="ctr"/>
+                      <a:endParaRPr lang="zh-TW" altLang="en-US" sz="2000" baseline="0" dirty="0">
+                        <a:latin typeface="Times New Roman" panose="02020603050405020304" pitchFamily="18" charset="0"/>
+                        <a:ea typeface="微軟正黑體" panose="020B0604030504040204" pitchFamily="34" charset="-120"/>
+                        <a:cs typeface="Times New Roman" panose="02020603050405020304" pitchFamily="18" charset="0"/>
+                      </a:endParaRPr>
+                    </a:p>
+                  </a:txBody>
+                  <a:tcPr anchor="ctr"/>
+                </a:tc>
+                <a:tc>
+                  <a:txBody>
+                    <a:bodyPr/>
+                    <a:lstStyle/>
+                    <a:p>
+                      <a:pPr algn="ctr"/>
+                      <a:r>
+                        <a:rPr lang="en-US" altLang="zh-TW" sz="2000" baseline="0" dirty="0" err="1">
+                          <a:latin typeface="Times New Roman" panose="02020603050405020304" pitchFamily="18" charset="0"/>
+                          <a:ea typeface="微軟正黑體" panose="020B0604030504040204" pitchFamily="34" charset="-120"/>
+                          <a:cs typeface="Times New Roman" panose="02020603050405020304" pitchFamily="18" charset="0"/>
+                        </a:rPr>
+                        <a:t>n_mcts_iters</a:t>
+                      </a:r>
+                      <a:r>
+                        <a:rPr lang="en-US" altLang="zh-TW" sz="2000" baseline="0" dirty="0">
+                          <a:latin typeface="Times New Roman" panose="02020603050405020304" pitchFamily="18" charset="0"/>
+                          <a:ea typeface="微軟正黑體" panose="020B0604030504040204" pitchFamily="34" charset="-120"/>
+                          <a:cs typeface="Times New Roman" panose="02020603050405020304" pitchFamily="18" charset="0"/>
+                        </a:rPr>
+                        <a:t>: int</a:t>
+                      </a:r>
+                      <a:r>
+                        <a:rPr lang="zh-TW" altLang="en-US" sz="2000" baseline="0" dirty="0">
+                          <a:latin typeface="Times New Roman" panose="02020603050405020304" pitchFamily="18" charset="0"/>
+                          <a:ea typeface="微軟正黑體" panose="020B0604030504040204" pitchFamily="34" charset="-120"/>
+                          <a:cs typeface="Times New Roman" panose="02020603050405020304" pitchFamily="18" charset="0"/>
+                        </a:rPr>
+                        <a:t> 蒙特卡洛樹搜索次數</a:t>
+                      </a:r>
+                    </a:p>
+                  </a:txBody>
+                  <a:tcPr anchor="ctr"/>
+                </a:tc>
+                <a:extLst>
+                  <a:ext uri="{0D108BD9-81ED-4DB2-BD59-A6C34878D82A}">
+                    <a16:rowId xmlns:a16="http://schemas.microsoft.com/office/drawing/2014/main" val="1802345360"/>
+                  </a:ext>
+                </a:extLst>
+              </a:tr>
+              <a:tr h="478810">
+                <a:tc vMerge="1">
+                  <a:txBody>
+                    <a:bodyPr/>
+                    <a:lstStyle/>
+                    <a:p>
+                      <a:pPr algn="ctr"/>
+                      <a:endParaRPr lang="zh-TW" altLang="en-US" sz="2000" baseline="0" dirty="0">
+                        <a:latin typeface="Times New Roman" panose="02020603050405020304" pitchFamily="18" charset="0"/>
+                        <a:ea typeface="微軟正黑體" panose="020B0604030504040204" pitchFamily="34" charset="-120"/>
+                        <a:cs typeface="Times New Roman" panose="02020603050405020304" pitchFamily="18" charset="0"/>
+                      </a:endParaRPr>
+                    </a:p>
+                  </a:txBody>
+                  <a:tcPr anchor="ctr"/>
+                </a:tc>
+                <a:tc>
+                  <a:txBody>
+                    <a:bodyPr/>
+                    <a:lstStyle/>
+                    <a:p>
+                      <a:pPr algn="ctr"/>
+                      <a:r>
+                        <a:rPr lang="en-US" altLang="zh-TW" sz="2000" baseline="0" dirty="0" err="1">
+                          <a:latin typeface="Times New Roman" panose="02020603050405020304" pitchFamily="18" charset="0"/>
+                          <a:ea typeface="微軟正黑體" panose="020B0604030504040204" pitchFamily="34" charset="-120"/>
+                          <a:cs typeface="Times New Roman" panose="02020603050405020304" pitchFamily="18" charset="0"/>
+                        </a:rPr>
+                        <a:t>n_feature_planes</a:t>
+                      </a:r>
+                      <a:r>
+                        <a:rPr lang="en-US" altLang="zh-TW" sz="2000" baseline="0" dirty="0">
+                          <a:latin typeface="Times New Roman" panose="02020603050405020304" pitchFamily="18" charset="0"/>
+                          <a:ea typeface="微軟正黑體" panose="020B0604030504040204" pitchFamily="34" charset="-120"/>
+                          <a:cs typeface="Times New Roman" panose="02020603050405020304" pitchFamily="18" charset="0"/>
+                        </a:rPr>
+                        <a:t>: int</a:t>
+                      </a:r>
+                      <a:r>
+                        <a:rPr lang="zh-TW" altLang="en-US" sz="2000" baseline="0" dirty="0">
+                          <a:latin typeface="Times New Roman" panose="02020603050405020304" pitchFamily="18" charset="0"/>
+                          <a:ea typeface="微軟正黑體" panose="020B0604030504040204" pitchFamily="34" charset="-120"/>
+                          <a:cs typeface="Times New Roman" panose="02020603050405020304" pitchFamily="18" charset="0"/>
+                        </a:rPr>
+                        <a:t> 特徵平面個數</a:t>
+                      </a:r>
+                    </a:p>
+                  </a:txBody>
+                  <a:tcPr anchor="ctr"/>
+                </a:tc>
+                <a:extLst>
+                  <a:ext uri="{0D108BD9-81ED-4DB2-BD59-A6C34878D82A}">
+                    <a16:rowId xmlns:a16="http://schemas.microsoft.com/office/drawing/2014/main" val="126790347"/>
+                  </a:ext>
+                </a:extLst>
+              </a:tr>
+              <a:tr h="478810">
+                <a:tc vMerge="1">
+                  <a:txBody>
+                    <a:bodyPr/>
+                    <a:lstStyle/>
+                    <a:p>
+                      <a:pPr algn="ctr"/>
+                      <a:endParaRPr lang="zh-TW" altLang="en-US" sz="2000" baseline="0" dirty="0">
+                        <a:latin typeface="Times New Roman" panose="02020603050405020304" pitchFamily="18" charset="0"/>
+                        <a:ea typeface="微軟正黑體" panose="020B0604030504040204" pitchFamily="34" charset="-120"/>
+                        <a:cs typeface="Times New Roman" panose="02020603050405020304" pitchFamily="18" charset="0"/>
+                      </a:endParaRPr>
+                    </a:p>
+                  </a:txBody>
+                  <a:tcPr anchor="ctr"/>
+                </a:tc>
+                <a:tc>
+                  <a:txBody>
+                    <a:bodyPr/>
+                    <a:lstStyle/>
+                    <a:p>
+                      <a:pPr algn="ctr"/>
+                      <a:r>
+                        <a:rPr lang="en-US" altLang="zh-TW" sz="2000" baseline="0" dirty="0" err="1">
+                          <a:latin typeface="Times New Roman" panose="02020603050405020304" pitchFamily="18" charset="0"/>
+                          <a:ea typeface="微軟正黑體" panose="020B0604030504040204" pitchFamily="34" charset="-120"/>
+                          <a:cs typeface="Times New Roman" panose="02020603050405020304" pitchFamily="18" charset="0"/>
+                        </a:rPr>
+                        <a:t>batch_size</a:t>
+                      </a:r>
+                      <a:r>
+                        <a:rPr lang="en-US" altLang="zh-TW" sz="2000" baseline="0" dirty="0">
+                          <a:latin typeface="Times New Roman" panose="02020603050405020304" pitchFamily="18" charset="0"/>
+                          <a:ea typeface="微軟正黑體" panose="020B0604030504040204" pitchFamily="34" charset="-120"/>
+                          <a:cs typeface="Times New Roman" panose="02020603050405020304" pitchFamily="18" charset="0"/>
+                        </a:rPr>
+                        <a:t>: int</a:t>
+                      </a:r>
+                      <a:r>
+                        <a:rPr lang="zh-TW" altLang="en-US" sz="2000" baseline="0" dirty="0">
+                          <a:latin typeface="Times New Roman" panose="02020603050405020304" pitchFamily="18" charset="0"/>
+                          <a:ea typeface="微軟正黑體" panose="020B0604030504040204" pitchFamily="34" charset="-120"/>
+                          <a:cs typeface="Times New Roman" panose="02020603050405020304" pitchFamily="18" charset="0"/>
+                        </a:rPr>
+                        <a:t> </a:t>
+                      </a:r>
+                      <a:r>
+                        <a:rPr lang="en-US" altLang="zh-TW" sz="2000" baseline="0" dirty="0">
+                          <a:latin typeface="Times New Roman" panose="02020603050405020304" pitchFamily="18" charset="0"/>
+                          <a:ea typeface="微軟正黑體" panose="020B0604030504040204" pitchFamily="34" charset="-120"/>
+                          <a:cs typeface="Times New Roman" panose="02020603050405020304" pitchFamily="18" charset="0"/>
+                        </a:rPr>
+                        <a:t>mini-batch </a:t>
+                      </a:r>
+                      <a:r>
+                        <a:rPr lang="zh-TW" altLang="en-US" sz="2000" baseline="0" dirty="0">
+                          <a:latin typeface="Times New Roman" panose="02020603050405020304" pitchFamily="18" charset="0"/>
+                          <a:ea typeface="微軟正黑體" panose="020B0604030504040204" pitchFamily="34" charset="-120"/>
+                          <a:cs typeface="Times New Roman" panose="02020603050405020304" pitchFamily="18" charset="0"/>
+                        </a:rPr>
+                        <a:t>的大小</a:t>
+                      </a:r>
+                    </a:p>
+                  </a:txBody>
+                  <a:tcPr anchor="ctr"/>
+                </a:tc>
+                <a:extLst>
+                  <a:ext uri="{0D108BD9-81ED-4DB2-BD59-A6C34878D82A}">
+                    <a16:rowId xmlns:a16="http://schemas.microsoft.com/office/drawing/2014/main" val="3834183140"/>
+                  </a:ext>
+                </a:extLst>
+              </a:tr>
+              <a:tr h="478810">
+                <a:tc vMerge="1">
+                  <a:txBody>
+                    <a:bodyPr/>
+                    <a:lstStyle/>
+                    <a:p>
+                      <a:pPr algn="ctr"/>
+                      <a:endParaRPr lang="zh-TW" altLang="en-US" sz="2000" baseline="0" dirty="0">
+                        <a:latin typeface="Times New Roman" panose="02020603050405020304" pitchFamily="18" charset="0"/>
+                        <a:ea typeface="微軟正黑體" panose="020B0604030504040204" pitchFamily="34" charset="-120"/>
+                        <a:cs typeface="Times New Roman" panose="02020603050405020304" pitchFamily="18" charset="0"/>
+                      </a:endParaRPr>
+                    </a:p>
+                  </a:txBody>
+                  <a:tcPr anchor="ctr"/>
+                </a:tc>
+                <a:tc>
+                  <a:txBody>
+                    <a:bodyPr/>
+                    <a:lstStyle/>
+                    <a:p>
+                      <a:pPr algn="ctr"/>
+                      <a:r>
+                        <a:rPr lang="en-US" altLang="zh-TW" sz="2000" baseline="0" dirty="0" err="1">
+                          <a:latin typeface="Times New Roman" panose="02020603050405020304" pitchFamily="18" charset="0"/>
+                          <a:ea typeface="微軟正黑體" panose="020B0604030504040204" pitchFamily="34" charset="-120"/>
+                          <a:cs typeface="Times New Roman" panose="02020603050405020304" pitchFamily="18" charset="0"/>
+                        </a:rPr>
+                        <a:t>start_train_size</a:t>
+                      </a:r>
+                      <a:r>
+                        <a:rPr lang="en-US" altLang="zh-TW" sz="2000" baseline="0" dirty="0">
+                          <a:latin typeface="Times New Roman" panose="02020603050405020304" pitchFamily="18" charset="0"/>
+                          <a:ea typeface="微軟正黑體" panose="020B0604030504040204" pitchFamily="34" charset="-120"/>
+                          <a:cs typeface="Times New Roman" panose="02020603050405020304" pitchFamily="18" charset="0"/>
+                        </a:rPr>
+                        <a:t>: int</a:t>
+                      </a:r>
+                      <a:r>
+                        <a:rPr lang="zh-TW" altLang="en-US" sz="2000" baseline="0" dirty="0">
+                          <a:latin typeface="Times New Roman" panose="02020603050405020304" pitchFamily="18" charset="0"/>
+                          <a:ea typeface="微軟正黑體" panose="020B0604030504040204" pitchFamily="34" charset="-120"/>
+                          <a:cs typeface="Times New Roman" panose="02020603050405020304" pitchFamily="18" charset="0"/>
+                        </a:rPr>
+                        <a:t> 開始訓練模型時的最小數據集尺寸</a:t>
+                      </a:r>
+                    </a:p>
+                  </a:txBody>
+                  <a:tcPr anchor="ctr"/>
+                </a:tc>
+                <a:extLst>
+                  <a:ext uri="{0D108BD9-81ED-4DB2-BD59-A6C34878D82A}">
+                    <a16:rowId xmlns:a16="http://schemas.microsoft.com/office/drawing/2014/main" val="1592621926"/>
+                  </a:ext>
+                </a:extLst>
+              </a:tr>
+              <a:tr h="478810">
+                <a:tc vMerge="1">
+                  <a:txBody>
+                    <a:bodyPr/>
+                    <a:lstStyle/>
+                    <a:p>
+                      <a:pPr algn="ctr"/>
+                      <a:endParaRPr lang="zh-TW" altLang="en-US" sz="2000" baseline="0" dirty="0">
+                        <a:latin typeface="Times New Roman" panose="02020603050405020304" pitchFamily="18" charset="0"/>
+                        <a:ea typeface="微軟正黑體" panose="020B0604030504040204" pitchFamily="34" charset="-120"/>
+                        <a:cs typeface="Times New Roman" panose="02020603050405020304" pitchFamily="18" charset="0"/>
+                      </a:endParaRPr>
+                    </a:p>
+                  </a:txBody>
+                  <a:tcPr anchor="ctr"/>
+                </a:tc>
+                <a:tc>
+                  <a:txBody>
+                    <a:bodyPr/>
+                    <a:lstStyle/>
+                    <a:p>
+                      <a:pPr algn="ctr"/>
+                      <a:r>
+                        <a:rPr lang="en-US" altLang="zh-TW" sz="2000" baseline="0" dirty="0" err="1">
+                          <a:latin typeface="Times New Roman" panose="02020603050405020304" pitchFamily="18" charset="0"/>
+                          <a:ea typeface="微軟正黑體" panose="020B0604030504040204" pitchFamily="34" charset="-120"/>
+                          <a:cs typeface="Times New Roman" panose="02020603050405020304" pitchFamily="18" charset="0"/>
+                        </a:rPr>
+                        <a:t>check_frequency</a:t>
+                      </a:r>
+                      <a:r>
+                        <a:rPr lang="en-US" altLang="zh-TW" sz="2000" baseline="0" dirty="0">
+                          <a:latin typeface="Times New Roman" panose="02020603050405020304" pitchFamily="18" charset="0"/>
+                          <a:ea typeface="微軟正黑體" panose="020B0604030504040204" pitchFamily="34" charset="-120"/>
+                          <a:cs typeface="Times New Roman" panose="02020603050405020304" pitchFamily="18" charset="0"/>
+                        </a:rPr>
+                        <a:t>: int</a:t>
+                      </a:r>
+                      <a:r>
+                        <a:rPr lang="zh-TW" altLang="en-US" sz="2000" baseline="0" dirty="0">
+                          <a:latin typeface="Times New Roman" panose="02020603050405020304" pitchFamily="18" charset="0"/>
+                          <a:ea typeface="微軟正黑體" panose="020B0604030504040204" pitchFamily="34" charset="-120"/>
+                          <a:cs typeface="Times New Roman" panose="02020603050405020304" pitchFamily="18" charset="0"/>
+                        </a:rPr>
+                        <a:t> 測試模型的頻率</a:t>
+                      </a:r>
+                    </a:p>
+                  </a:txBody>
+                  <a:tcPr anchor="ctr"/>
+                </a:tc>
+                <a:extLst>
+                  <a:ext uri="{0D108BD9-81ED-4DB2-BD59-A6C34878D82A}">
+                    <a16:rowId xmlns:a16="http://schemas.microsoft.com/office/drawing/2014/main" val="3082694866"/>
+                  </a:ext>
+                </a:extLst>
+              </a:tr>
+              <a:tr h="478810">
+                <a:tc vMerge="1">
+                  <a:txBody>
+                    <a:bodyPr/>
+                    <a:lstStyle/>
+                    <a:p>
+                      <a:pPr algn="ctr"/>
+                      <a:endParaRPr lang="zh-TW" altLang="en-US" sz="2000" baseline="0" dirty="0">
+                        <a:latin typeface="Times New Roman" panose="02020603050405020304" pitchFamily="18" charset="0"/>
+                        <a:ea typeface="微軟正黑體" panose="020B0604030504040204" pitchFamily="34" charset="-120"/>
+                        <a:cs typeface="Times New Roman" panose="02020603050405020304" pitchFamily="18" charset="0"/>
+                      </a:endParaRPr>
+                    </a:p>
+                  </a:txBody>
+                  <a:tcPr anchor="ctr"/>
+                </a:tc>
+                <a:tc>
+                  <a:txBody>
+                    <a:bodyPr/>
+                    <a:lstStyle/>
+                    <a:p>
+                      <a:pPr algn="ctr"/>
+                      <a:r>
+                        <a:rPr lang="en-US" altLang="zh-TW" sz="2000" baseline="0" dirty="0" err="1">
+                          <a:latin typeface="Times New Roman" panose="02020603050405020304" pitchFamily="18" charset="0"/>
+                          <a:ea typeface="微軟正黑體" panose="020B0604030504040204" pitchFamily="34" charset="-120"/>
+                          <a:cs typeface="Times New Roman" panose="02020603050405020304" pitchFamily="18" charset="0"/>
+                        </a:rPr>
+                        <a:t>n_test_games</a:t>
+                      </a:r>
+                      <a:r>
+                        <a:rPr lang="en-US" altLang="zh-TW" sz="2000" baseline="0" dirty="0">
+                          <a:latin typeface="Times New Roman" panose="02020603050405020304" pitchFamily="18" charset="0"/>
+                          <a:ea typeface="微軟正黑體" panose="020B0604030504040204" pitchFamily="34" charset="-120"/>
+                          <a:cs typeface="Times New Roman" panose="02020603050405020304" pitchFamily="18" charset="0"/>
+                        </a:rPr>
+                        <a:t>: int</a:t>
+                      </a:r>
+                      <a:r>
+                        <a:rPr lang="zh-TW" altLang="en-US" sz="2000" baseline="0" dirty="0">
+                          <a:latin typeface="Times New Roman" panose="02020603050405020304" pitchFamily="18" charset="0"/>
+                          <a:ea typeface="微軟正黑體" panose="020B0604030504040204" pitchFamily="34" charset="-120"/>
+                          <a:cs typeface="Times New Roman" panose="02020603050405020304" pitchFamily="18" charset="0"/>
+                        </a:rPr>
+                        <a:t> 測試模型時與歷史最優模型的比賽局數</a:t>
+                      </a:r>
+                    </a:p>
+                  </a:txBody>
+                  <a:tcPr anchor="ctr"/>
+                </a:tc>
+                <a:extLst>
+                  <a:ext uri="{0D108BD9-81ED-4DB2-BD59-A6C34878D82A}">
+                    <a16:rowId xmlns:a16="http://schemas.microsoft.com/office/drawing/2014/main" val="3988644613"/>
+                  </a:ext>
+                </a:extLst>
+              </a:tr>
+              <a:tr h="478810">
+                <a:tc vMerge="1">
+                  <a:txBody>
+                    <a:bodyPr/>
+                    <a:lstStyle/>
+                    <a:p>
+                      <a:pPr algn="ctr"/>
+                      <a:endParaRPr lang="zh-TW" altLang="en-US" sz="2000" baseline="0" dirty="0">
+                        <a:latin typeface="Times New Roman" panose="02020603050405020304" pitchFamily="18" charset="0"/>
+                        <a:ea typeface="微軟正黑體" panose="020B0604030504040204" pitchFamily="34" charset="-120"/>
+                        <a:cs typeface="Times New Roman" panose="02020603050405020304" pitchFamily="18" charset="0"/>
+                      </a:endParaRPr>
+                    </a:p>
+                  </a:txBody>
+                  <a:tcPr anchor="ctr"/>
+                </a:tc>
+                <a:tc>
+                  <a:txBody>
+                    <a:bodyPr/>
+                    <a:lstStyle/>
+                    <a:p>
+                      <a:pPr algn="ctr"/>
+                      <a:r>
+                        <a:rPr lang="en-US" altLang="zh-TW" sz="2000" baseline="0" dirty="0" err="1">
+                          <a:latin typeface="Times New Roman" panose="02020603050405020304" pitchFamily="18" charset="0"/>
+                          <a:ea typeface="微軟正黑體" panose="020B0604030504040204" pitchFamily="34" charset="-120"/>
+                          <a:cs typeface="Times New Roman" panose="02020603050405020304" pitchFamily="18" charset="0"/>
+                        </a:rPr>
+                        <a:t>c_puct</a:t>
+                      </a:r>
+                      <a:r>
+                        <a:rPr lang="en-US" altLang="zh-TW" sz="2000" baseline="0" dirty="0">
+                          <a:latin typeface="Times New Roman" panose="02020603050405020304" pitchFamily="18" charset="0"/>
+                          <a:ea typeface="微軟正黑體" panose="020B0604030504040204" pitchFamily="34" charset="-120"/>
+                          <a:cs typeface="Times New Roman" panose="02020603050405020304" pitchFamily="18" charset="0"/>
+                        </a:rPr>
+                        <a:t>: float</a:t>
+                      </a:r>
+                      <a:r>
+                        <a:rPr lang="zh-TW" altLang="en-US" sz="2000" baseline="0" dirty="0">
+                          <a:latin typeface="Times New Roman" panose="02020603050405020304" pitchFamily="18" charset="0"/>
+                          <a:ea typeface="微軟正黑體" panose="020B0604030504040204" pitchFamily="34" charset="-120"/>
+                          <a:cs typeface="Times New Roman" panose="02020603050405020304" pitchFamily="18" charset="0"/>
+                        </a:rPr>
+                        <a:t> 探索常數</a:t>
+                      </a:r>
+                    </a:p>
+                  </a:txBody>
+                  <a:tcPr anchor="ctr"/>
+                </a:tc>
+                <a:extLst>
+                  <a:ext uri="{0D108BD9-81ED-4DB2-BD59-A6C34878D82A}">
+                    <a16:rowId xmlns:a16="http://schemas.microsoft.com/office/drawing/2014/main" val="1597069255"/>
+                  </a:ext>
+                </a:extLst>
+              </a:tr>
+              <a:tr h="478810">
+                <a:tc vMerge="1">
+                  <a:txBody>
+                    <a:bodyPr/>
+                    <a:lstStyle/>
+                    <a:p>
+                      <a:pPr algn="ctr"/>
+                      <a:endParaRPr lang="zh-TW" altLang="en-US" sz="2000" baseline="0" dirty="0">
+                        <a:latin typeface="Times New Roman" panose="02020603050405020304" pitchFamily="18" charset="0"/>
+                        <a:ea typeface="微軟正黑體" panose="020B0604030504040204" pitchFamily="34" charset="-120"/>
+                        <a:cs typeface="Times New Roman" panose="02020603050405020304" pitchFamily="18" charset="0"/>
+                      </a:endParaRPr>
+                    </a:p>
+                  </a:txBody>
+                  <a:tcPr anchor="ctr"/>
+                </a:tc>
+                <a:tc>
+                  <a:txBody>
+                    <a:bodyPr/>
+                    <a:lstStyle/>
+                    <a:p>
+                      <a:pPr algn="ctr"/>
+                      <a:r>
+                        <a:rPr lang="en-US" altLang="zh-TW" sz="2000" baseline="0" dirty="0" err="1">
+                          <a:latin typeface="Times New Roman" panose="02020603050405020304" pitchFamily="18" charset="0"/>
+                          <a:ea typeface="微軟正黑體" panose="020B0604030504040204" pitchFamily="34" charset="-120"/>
+                          <a:cs typeface="Times New Roman" panose="02020603050405020304" pitchFamily="18" charset="0"/>
+                        </a:rPr>
+                        <a:t>is_use_gpu</a:t>
+                      </a:r>
+                      <a:r>
+                        <a:rPr lang="en-US" altLang="zh-TW" sz="2000" baseline="0" dirty="0">
+                          <a:latin typeface="Times New Roman" panose="02020603050405020304" pitchFamily="18" charset="0"/>
+                          <a:ea typeface="微軟正黑體" panose="020B0604030504040204" pitchFamily="34" charset="-120"/>
+                          <a:cs typeface="Times New Roman" panose="02020603050405020304" pitchFamily="18" charset="0"/>
+                        </a:rPr>
+                        <a:t>: bool</a:t>
+                      </a:r>
+                      <a:r>
+                        <a:rPr lang="zh-TW" altLang="en-US" sz="2000" baseline="0" dirty="0">
+                          <a:latin typeface="Times New Roman" panose="02020603050405020304" pitchFamily="18" charset="0"/>
+                          <a:ea typeface="微軟正黑體" panose="020B0604030504040204" pitchFamily="34" charset="-120"/>
+                          <a:cs typeface="Times New Roman" panose="02020603050405020304" pitchFamily="18" charset="0"/>
+                        </a:rPr>
+                        <a:t> 是否使用 </a:t>
+                      </a:r>
+                      <a:r>
+                        <a:rPr lang="en-US" altLang="zh-TW" sz="2000" baseline="0" dirty="0">
+                          <a:latin typeface="Times New Roman" panose="02020603050405020304" pitchFamily="18" charset="0"/>
+                          <a:ea typeface="微軟正黑體" panose="020B0604030504040204" pitchFamily="34" charset="-120"/>
+                          <a:cs typeface="Times New Roman" panose="02020603050405020304" pitchFamily="18" charset="0"/>
+                        </a:rPr>
+                        <a:t>GPU</a:t>
+                      </a:r>
+                    </a:p>
+                  </a:txBody>
+                  <a:tcPr anchor="ctr"/>
+                </a:tc>
+                <a:extLst>
+                  <a:ext uri="{0D108BD9-81ED-4DB2-BD59-A6C34878D82A}">
+                    <a16:rowId xmlns:a16="http://schemas.microsoft.com/office/drawing/2014/main" val="739324213"/>
+                  </a:ext>
+                </a:extLst>
+              </a:tr>
+              <a:tr h="478810">
+                <a:tc vMerge="1">
+                  <a:txBody>
+                    <a:bodyPr/>
+                    <a:lstStyle/>
+                    <a:p>
+                      <a:pPr algn="ctr"/>
+                      <a:endParaRPr lang="zh-TW" altLang="en-US" sz="2000" baseline="0" dirty="0">
+                        <a:latin typeface="Times New Roman" panose="02020603050405020304" pitchFamily="18" charset="0"/>
+                        <a:ea typeface="微軟正黑體" panose="020B0604030504040204" pitchFamily="34" charset="-120"/>
+                        <a:cs typeface="Times New Roman" panose="02020603050405020304" pitchFamily="18" charset="0"/>
+                      </a:endParaRPr>
+                    </a:p>
+                  </a:txBody>
+                  <a:tcPr anchor="ctr"/>
+                </a:tc>
+                <a:tc>
+                  <a:txBody>
+                    <a:bodyPr/>
+                    <a:lstStyle/>
+                    <a:p>
+                      <a:pPr algn="ctr"/>
+                      <a:r>
+                        <a:rPr lang="en-US" altLang="zh-TW" sz="2000" baseline="0" dirty="0" err="1">
+                          <a:latin typeface="Times New Roman" panose="02020603050405020304" pitchFamily="18" charset="0"/>
+                          <a:ea typeface="微軟正黑體" panose="020B0604030504040204" pitchFamily="34" charset="-120"/>
+                          <a:cs typeface="Times New Roman" panose="02020603050405020304" pitchFamily="18" charset="0"/>
+                        </a:rPr>
+                        <a:t>is_save_game</a:t>
+                      </a:r>
+                      <a:r>
+                        <a:rPr lang="en-US" altLang="zh-TW" sz="2000" baseline="0" dirty="0">
+                          <a:latin typeface="Times New Roman" panose="02020603050405020304" pitchFamily="18" charset="0"/>
+                          <a:ea typeface="微軟正黑體" panose="020B0604030504040204" pitchFamily="34" charset="-120"/>
+                          <a:cs typeface="Times New Roman" panose="02020603050405020304" pitchFamily="18" charset="0"/>
+                        </a:rPr>
+                        <a:t>: bool </a:t>
+                      </a:r>
+                      <a:r>
+                        <a:rPr lang="zh-TW" altLang="en-US" sz="2000" baseline="0" dirty="0">
+                          <a:latin typeface="Times New Roman" panose="02020603050405020304" pitchFamily="18" charset="0"/>
+                          <a:ea typeface="微軟正黑體" panose="020B0604030504040204" pitchFamily="34" charset="-120"/>
+                          <a:cs typeface="Times New Roman" panose="02020603050405020304" pitchFamily="18" charset="0"/>
+                        </a:rPr>
+                        <a:t>是否保存自對弈的棋譜 </a:t>
+                      </a:r>
+                    </a:p>
+                  </a:txBody>
+                  <a:tcPr anchor="ctr"/>
+                </a:tc>
+                <a:extLst>
+                  <a:ext uri="{0D108BD9-81ED-4DB2-BD59-A6C34878D82A}">
+                    <a16:rowId xmlns:a16="http://schemas.microsoft.com/office/drawing/2014/main" val="3451419224"/>
+                  </a:ext>
+                </a:extLst>
+              </a:tr>
+            </a:tbl>
+          </a:graphicData>
+        </a:graphic>
+      </p:graphicFrame>
+    </p:spTree>
+    <p:extLst>
+      <p:ext uri="{BB962C8B-B14F-4D97-AF65-F5344CB8AC3E}">
+        <p14:creationId xmlns:p14="http://schemas.microsoft.com/office/powerpoint/2010/main" val="1784926364"/>
+      </p:ext>
+    </p:extLst>
+  </p:cSld>
+  <p:clrMapOvr>
+    <a:masterClrMapping/>
+  </p:clrMapOvr>
+</p:sld>
+</file>
+
+<file path=ppt/slides/slide12.xml><?xml version="1.0" encoding="utf-8"?>
 <p:sld xmlns:a="http://schemas.openxmlformats.org/drawingml/2006/main" xmlns:r="http://schemas.openxmlformats.org/officeDocument/2006/relationships" xmlns:p="http://schemas.openxmlformats.org/presentationml/2006/main">
   <p:cSld>
     <p:bg>
@@ -14091,7 +13819,7 @@
 </p:sld>
 </file>
 
-<file path=ppt/slides/slide14.xml><?xml version="1.0" encoding="utf-8"?>
+<file path=ppt/slides/slide13.xml><?xml version="1.0" encoding="utf-8"?>
 <p:sld xmlns:a="http://schemas.openxmlformats.org/drawingml/2006/main" xmlns:r="http://schemas.openxmlformats.org/officeDocument/2006/relationships" xmlns:p="http://schemas.openxmlformats.org/presentationml/2006/main">
   <p:cSld>
     <p:bg>
@@ -19050,6 +18778,284 @@
           </a:p>
         </p:txBody>
       </p:sp>
+      <p:graphicFrame>
+        <p:nvGraphicFramePr>
+          <p:cNvPr id="4" name="表格 6">
+            <a:extLst>
+              <a:ext uri="{FF2B5EF4-FFF2-40B4-BE49-F238E27FC236}">
+                <a16:creationId xmlns:a16="http://schemas.microsoft.com/office/drawing/2014/main" id="{DE12667E-3EAE-487B-8E37-9A6705A99487}"/>
+              </a:ext>
+            </a:extLst>
+          </p:cNvPr>
+          <p:cNvGraphicFramePr>
+            <a:graphicFrameLocks noGrp="1"/>
+          </p:cNvGraphicFramePr>
+          <p:nvPr>
+            <p:extLst>
+              <p:ext uri="{D42A27DB-BD31-4B8C-83A1-F6EECF244321}">
+                <p14:modId xmlns:p14="http://schemas.microsoft.com/office/powerpoint/2010/main" val="2595921500"/>
+              </p:ext>
+            </p:extLst>
+          </p:nvPr>
+        </p:nvGraphicFramePr>
+        <p:xfrm>
+          <a:off x="1108788" y="4299513"/>
+          <a:ext cx="9974424" cy="1963435"/>
+        </p:xfrm>
+        <a:graphic>
+          <a:graphicData uri="http://schemas.openxmlformats.org/drawingml/2006/table">
+            <a:tbl>
+              <a:tblPr firstRow="1" bandRow="1">
+                <a:tableStyleId>{073A0DAA-6AF3-43AB-8588-CEC1D06C72B9}</a:tableStyleId>
+              </a:tblPr>
+              <a:tblGrid>
+                <a:gridCol w="2827175">
+                  <a:extLst>
+                    <a:ext uri="{9D8B030D-6E8A-4147-A177-3AD203B41FA5}">
+                      <a16:colId xmlns:a16="http://schemas.microsoft.com/office/drawing/2014/main" val="224048993"/>
+                    </a:ext>
+                  </a:extLst>
+                </a:gridCol>
+                <a:gridCol w="7147249">
+                  <a:extLst>
+                    <a:ext uri="{9D8B030D-6E8A-4147-A177-3AD203B41FA5}">
+                      <a16:colId xmlns:a16="http://schemas.microsoft.com/office/drawing/2014/main" val="677601397"/>
+                    </a:ext>
+                  </a:extLst>
+                </a:gridCol>
+              </a:tblGrid>
+              <a:tr h="424513">
+                <a:tc gridSpan="2">
+                  <a:txBody>
+                    <a:bodyPr/>
+                    <a:lstStyle/>
+                    <a:p>
+                      <a:pPr marL="0" marR="0" lvl="0" indent="0" algn="ctr" defTabSz="914400" rtl="0" eaLnBrk="1" fontAlgn="auto" latinLnBrk="0" hangingPunct="1">
+                        <a:lnSpc>
+                          <a:spcPct val="100000"/>
+                        </a:lnSpc>
+                        <a:spcBef>
+                          <a:spcPts val="0"/>
+                        </a:spcBef>
+                        <a:spcAft>
+                          <a:spcPts val="0"/>
+                        </a:spcAft>
+                        <a:buClrTx/>
+                        <a:buSzTx/>
+                        <a:buFontTx/>
+                        <a:buNone/>
+                        <a:tabLst/>
+                        <a:defRPr/>
+                      </a:pPr>
+                      <a:r>
+                        <a:rPr lang="zh-TW" altLang="en-US" sz="2000" dirty="0">
+                          <a:latin typeface="Times New Roman" panose="02020603050405020304" pitchFamily="18" charset="0"/>
+                          <a:ea typeface="微軟正黑體" panose="020B0604030504040204" pitchFamily="34" charset="-120"/>
+                          <a:cs typeface="Times New Roman" panose="02020603050405020304" pitchFamily="18" charset="0"/>
+                        </a:rPr>
+                        <a:t>訓練資料樣本</a:t>
+                      </a:r>
+                      <a:endParaRPr lang="zh-TW" altLang="en-US" sz="2000" baseline="0" dirty="0">
+                        <a:latin typeface="Times New Roman" panose="02020603050405020304" pitchFamily="18" charset="0"/>
+                        <a:ea typeface="標楷體" panose="03000509000000000000" pitchFamily="65" charset="-120"/>
+                        <a:cs typeface="Times New Roman" panose="02020603050405020304" pitchFamily="18" charset="0"/>
+                      </a:endParaRPr>
+                    </a:p>
+                  </a:txBody>
+                  <a:tcPr anchor="ctr"/>
+                </a:tc>
+                <a:tc hMerge="1">
+                  <a:txBody>
+                    <a:bodyPr/>
+                    <a:lstStyle/>
+                    <a:p>
+                      <a:pPr marL="0" marR="0" lvl="0" indent="0" algn="ctr" defTabSz="914400" rtl="0" eaLnBrk="1" fontAlgn="auto" latinLnBrk="0" hangingPunct="1">
+                        <a:lnSpc>
+                          <a:spcPct val="100000"/>
+                        </a:lnSpc>
+                        <a:spcBef>
+                          <a:spcPts val="0"/>
+                        </a:spcBef>
+                        <a:spcAft>
+                          <a:spcPts val="0"/>
+                        </a:spcAft>
+                        <a:buClrTx/>
+                        <a:buSzTx/>
+                        <a:buFontTx/>
+                        <a:buNone/>
+                        <a:tabLst/>
+                        <a:defRPr/>
+                      </a:pPr>
+                      <a:endParaRPr lang="zh-TW" altLang="en-US" sz="2000" baseline="0" dirty="0">
+                        <a:latin typeface="Times New Roman" panose="02020603050405020304" pitchFamily="18" charset="0"/>
+                        <a:ea typeface="標楷體" panose="03000509000000000000" pitchFamily="65" charset="-120"/>
+                      </a:endParaRPr>
+                    </a:p>
+                  </a:txBody>
+                  <a:tcPr anchor="ctr"/>
+                </a:tc>
+                <a:extLst>
+                  <a:ext uri="{0D108BD9-81ED-4DB2-BD59-A6C34878D82A}">
+                    <a16:rowId xmlns:a16="http://schemas.microsoft.com/office/drawing/2014/main" val="353664780"/>
+                  </a:ext>
+                </a:extLst>
+              </a:tr>
+              <a:tr h="512974">
+                <a:tc>
+                  <a:txBody>
+                    <a:bodyPr/>
+                    <a:lstStyle/>
+                    <a:p>
+                      <a:pPr algn="ctr"/>
+                      <a:r>
+                        <a:rPr lang="en-US" altLang="zh-TW" sz="2000" baseline="0" dirty="0" err="1">
+                          <a:latin typeface="Times New Roman" panose="02020603050405020304" pitchFamily="18" charset="0"/>
+                          <a:ea typeface="標楷體" panose="03000509000000000000" pitchFamily="65" charset="-120"/>
+                          <a:cs typeface="Times New Roman" panose="02020603050405020304" pitchFamily="18" charset="0"/>
+                        </a:rPr>
+                        <a:t>SelfPlayDataSet</a:t>
+                      </a:r>
+                      <a:endParaRPr lang="en-US" altLang="zh-TW" sz="2000" baseline="0" dirty="0">
+                        <a:latin typeface="Times New Roman" panose="02020603050405020304" pitchFamily="18" charset="0"/>
+                        <a:ea typeface="標楷體" panose="03000509000000000000" pitchFamily="65" charset="-120"/>
+                        <a:cs typeface="Times New Roman" panose="02020603050405020304" pitchFamily="18" charset="0"/>
+                      </a:endParaRPr>
+                    </a:p>
+                  </a:txBody>
+                  <a:tcPr anchor="ctr"/>
+                </a:tc>
+                <a:tc>
+                  <a:txBody>
+                    <a:bodyPr/>
+                    <a:lstStyle/>
+                    <a:p>
+                      <a:pPr algn="ctr"/>
+                      <a:r>
+                        <a:rPr lang="zh-TW" altLang="en-US" sz="2000" baseline="0" dirty="0">
+                          <a:latin typeface="Times New Roman" panose="02020603050405020304" pitchFamily="18" charset="0"/>
+                          <a:ea typeface="標楷體" panose="03000509000000000000" pitchFamily="65" charset="-120"/>
+                          <a:cs typeface="Times New Roman" panose="02020603050405020304" pitchFamily="18" charset="0"/>
+                        </a:rPr>
+                        <a:t>自我對弈數據集類 </a:t>
+                      </a:r>
+                    </a:p>
+                  </a:txBody>
+                  <a:tcPr anchor="ctr"/>
+                </a:tc>
+                <a:extLst>
+                  <a:ext uri="{0D108BD9-81ED-4DB2-BD59-A6C34878D82A}">
+                    <a16:rowId xmlns:a16="http://schemas.microsoft.com/office/drawing/2014/main" val="1015971959"/>
+                  </a:ext>
+                </a:extLst>
+              </a:tr>
+              <a:tr h="512974">
+                <a:tc>
+                  <a:txBody>
+                    <a:bodyPr/>
+                    <a:lstStyle/>
+                    <a:p>
+                      <a:pPr algn="ctr"/>
+                      <a:r>
+                        <a:rPr lang="en-US" altLang="zh-TW" sz="2000" baseline="0" dirty="0" err="1">
+                          <a:latin typeface="Times New Roman" panose="02020603050405020304" pitchFamily="18" charset="0"/>
+                          <a:ea typeface="標楷體" panose="03000509000000000000" pitchFamily="65" charset="-120"/>
+                          <a:cs typeface="Times New Roman" panose="02020603050405020304" pitchFamily="18" charset="0"/>
+                        </a:rPr>
+                        <a:t>save_model</a:t>
+                      </a:r>
+                      <a:endParaRPr lang="en-US" altLang="zh-TW" sz="2000" baseline="0" dirty="0">
+                        <a:latin typeface="Times New Roman" panose="02020603050405020304" pitchFamily="18" charset="0"/>
+                        <a:ea typeface="標楷體" panose="03000509000000000000" pitchFamily="65" charset="-120"/>
+                        <a:cs typeface="Times New Roman" panose="02020603050405020304" pitchFamily="18" charset="0"/>
+                      </a:endParaRPr>
+                    </a:p>
+                  </a:txBody>
+                  <a:tcPr anchor="ctr"/>
+                </a:tc>
+                <a:tc>
+                  <a:txBody>
+                    <a:bodyPr/>
+                    <a:lstStyle/>
+                    <a:p>
+                      <a:pPr algn="ctr"/>
+                      <a:r>
+                        <a:rPr lang="zh-TW" altLang="en-US" sz="2000" baseline="0" dirty="0">
+                          <a:latin typeface="Times New Roman" panose="02020603050405020304" pitchFamily="18" charset="0"/>
+                          <a:ea typeface="標楷體" panose="03000509000000000000" pitchFamily="65" charset="-120"/>
+                          <a:cs typeface="Times New Roman" panose="02020603050405020304" pitchFamily="18" charset="0"/>
+                        </a:rPr>
+                        <a:t> 保存模型</a:t>
+                      </a:r>
+                    </a:p>
+                  </a:txBody>
+                  <a:tcPr anchor="ctr"/>
+                </a:tc>
+                <a:extLst>
+                  <a:ext uri="{0D108BD9-81ED-4DB2-BD59-A6C34878D82A}">
+                    <a16:rowId xmlns:a16="http://schemas.microsoft.com/office/drawing/2014/main" val="1598383315"/>
+                  </a:ext>
+                </a:extLst>
+              </a:tr>
+              <a:tr h="512974">
+                <a:tc>
+                  <a:txBody>
+                    <a:bodyPr/>
+                    <a:lstStyle/>
+                    <a:p>
+                      <a:pPr algn="ctr"/>
+                      <a:r>
+                        <a:rPr lang="en-US" altLang="zh-TW" sz="2000" baseline="0" dirty="0">
+                          <a:latin typeface="Times New Roman" panose="02020603050405020304" pitchFamily="18" charset="0"/>
+                          <a:ea typeface="標楷體" panose="03000509000000000000" pitchFamily="65" charset="-120"/>
+                          <a:cs typeface="Times New Roman" panose="02020603050405020304" pitchFamily="18" charset="0"/>
+                        </a:rPr>
+                        <a:t>__</a:t>
+                      </a:r>
+                      <a:r>
+                        <a:rPr lang="en-US" altLang="zh-TW" sz="2000" baseline="0" dirty="0" err="1">
+                          <a:latin typeface="Times New Roman" panose="02020603050405020304" pitchFamily="18" charset="0"/>
+                          <a:ea typeface="標楷體" panose="03000509000000000000" pitchFamily="65" charset="-120"/>
+                          <a:cs typeface="Times New Roman" panose="02020603050405020304" pitchFamily="18" charset="0"/>
+                        </a:rPr>
+                        <a:t>load_data</a:t>
+                      </a:r>
+                      <a:endParaRPr lang="en-US" altLang="zh-TW" sz="2000" baseline="0" dirty="0">
+                        <a:latin typeface="Times New Roman" panose="02020603050405020304" pitchFamily="18" charset="0"/>
+                        <a:ea typeface="標楷體" panose="03000509000000000000" pitchFamily="65" charset="-120"/>
+                        <a:cs typeface="Times New Roman" panose="02020603050405020304" pitchFamily="18" charset="0"/>
+                      </a:endParaRPr>
+                    </a:p>
+                  </a:txBody>
+                  <a:tcPr anchor="ctr"/>
+                </a:tc>
+                <a:tc>
+                  <a:txBody>
+                    <a:bodyPr/>
+                    <a:lstStyle/>
+                    <a:p>
+                      <a:pPr algn="ctr"/>
+                      <a:r>
+                        <a:rPr lang="zh-TW" altLang="en-US" sz="2000" baseline="0" dirty="0">
+                          <a:latin typeface="Times New Roman" panose="02020603050405020304" pitchFamily="18" charset="0"/>
+                          <a:ea typeface="標楷體" panose="03000509000000000000" pitchFamily="65" charset="-120"/>
+                          <a:cs typeface="Times New Roman" panose="02020603050405020304" pitchFamily="18" charset="0"/>
+                        </a:rPr>
+                        <a:t>載入歷史損失數據 </a:t>
+                      </a:r>
+                    </a:p>
+                  </a:txBody>
+                  <a:tcPr anchor="ctr"/>
+                </a:tc>
+                <a:extLst>
+                  <a:ext uri="{0D108BD9-81ED-4DB2-BD59-A6C34878D82A}">
+                    <a16:rowId xmlns:a16="http://schemas.microsoft.com/office/drawing/2014/main" val="4126785748"/>
+                  </a:ext>
+                </a:extLst>
+              </a:tr>
+            </a:tbl>
+          </a:graphicData>
+        </a:graphic>
+      </p:graphicFrame>
     </p:spTree>
     <p:extLst>
       <p:ext uri="{BB962C8B-B14F-4D97-AF65-F5344CB8AC3E}">
